--- a/Pictures/flowchart_Fig.pptx
+++ b/Pictures/flowchart_Fig.pptx
@@ -943,16 +943,21 @@
     </dgm:pt>
     <dgm:pt modelId="{378B0F99-9E1D-104F-AE1C-69533BAEAE28}">
       <dgm:prSet phldrT="[Text]" custT="1"/>
-      <dgm:spPr/>
+      <dgm:spPr>
+        <a:solidFill>
+          <a:schemeClr val="bg1">
+            <a:lumMod val="75000"/>
+          </a:schemeClr>
+        </a:solidFill>
+      </dgm:spPr>
       <dgm:t>
         <a:bodyPr/>
         <a:lstStyle/>
         <a:p>
           <a:r>
-            <a:rPr lang="en-US" sz="2000"/>
+            <a:rPr lang="en-US" sz="2000" dirty="0"/>
             <a:t>0/3290 schools geolocated</a:t>
           </a:r>
-          <a:endParaRPr lang="en-US" sz="2000" dirty="0"/>
         </a:p>
       </dgm:t>
     </dgm:pt>
@@ -993,14 +998,19 @@
         <a:lstStyle/>
         <a:p>
           <a:r>
-            <a:rPr lang="en-US" sz="2000"/>
+            <a:rPr lang="en-US" sz="2000" dirty="0"/>
+            <a:t>1. </a:t>
+          </a:r>
+        </a:p>
+        <a:p>
+          <a:r>
+            <a:rPr lang="en-US" sz="2000" dirty="0"/>
             <a:t>1374/3290 (41.8%) schools geolocated with </a:t>
           </a:r>
           <a:r>
-            <a:rPr lang="en-US" sz="2000" b="1"/>
+            <a:rPr lang="en-US" sz="2000" b="1" dirty="0"/>
             <a:t>GMAPS API</a:t>
           </a:r>
-          <a:endParaRPr lang="en-US" sz="2000" b="1" dirty="0"/>
         </a:p>
       </dgm:t>
     </dgm:pt>
@@ -1041,14 +1051,27 @@
         <a:lstStyle/>
         <a:p>
           <a:r>
-            <a:rPr lang="en-US" sz="2000"/>
-            <a:t>1373/3290 (41.7%) additional schools geolocated by </a:t>
+            <a:rPr lang="en-US" sz="2000" dirty="0"/>
+            <a:t>2. </a:t>
+          </a:r>
+        </a:p>
+        <a:p>
+          <a:r>
+            <a:rPr lang="en-US" sz="2000" dirty="0"/>
+            <a:t>An additional 1373 (41.7%) schools geolocated by </a:t>
           </a:r>
           <a:r>
-            <a:rPr lang="en-US" sz="2000" b="1"/>
-            <a:t>locality shapefile </a:t>
+            <a:rPr lang="en-US" sz="2000" b="1" dirty="0"/>
+            <a:t>locality shapefile, </a:t>
           </a:r>
-          <a:endParaRPr lang="en-US" sz="2000" b="1" dirty="0"/>
+          <a:r>
+            <a:rPr lang="en-US" sz="2000" b="0" dirty="0"/>
+            <a:t>for a total of 2747 (83.5%) so far</a:t>
+          </a:r>
+          <a:r>
+            <a:rPr lang="en-US" sz="2000" b="1" dirty="0"/>
+            <a:t> </a:t>
+          </a:r>
         </a:p>
       </dgm:t>
     </dgm:pt>
@@ -1089,12 +1112,22 @@
         <a:lstStyle/>
         <a:p>
           <a:r>
-            <a:rPr lang="en-US" sz="2000"/>
-            <a:t>543/3290 schools (16.5%) additional schools geolocated by </a:t>
+            <a:rPr lang="en-US" sz="2000" dirty="0"/>
+            <a:t>3. </a:t>
+          </a:r>
+        </a:p>
+        <a:p>
+          <a:r>
+            <a:rPr lang="en-US" sz="2000" dirty="0"/>
+            <a:t>An additional 543 schools (16.5%) geolocated by </a:t>
           </a:r>
           <a:r>
-            <a:rPr lang="en-US" sz="2000" b="1"/>
-            <a:t>municipality shapefile</a:t>
+            <a:rPr lang="en-US" sz="2000" b="1" dirty="0"/>
+            <a:t>municipality shapefile, </a:t>
+          </a:r>
+          <a:r>
+            <a:rPr lang="en-US" sz="2000" b="0" dirty="0"/>
+            <a:t>for a total of 3290 schools</a:t>
           </a:r>
           <a:endParaRPr lang="en-US" sz="2000" b="1" dirty="0"/>
         </a:p>
@@ -1148,7 +1181,7 @@
       <dgm:spPr/>
     </dgm:pt>
     <dgm:pt modelId="{5DFC0FE5-9118-F84B-BFCC-692CC3F37EA3}" type="pres">
-      <dgm:prSet presAssocID="{378B0F99-9E1D-104F-AE1C-69533BAEAE28}" presName="rootText1" presStyleLbl="node0" presStyleIdx="0" presStyleCnt="1" custScaleX="138406">
+      <dgm:prSet presAssocID="{378B0F99-9E1D-104F-AE1C-69533BAEAE28}" presName="rootText1" presStyleLbl="node0" presStyleIdx="0" presStyleCnt="1" custScaleX="122318" custLinFactNeighborY="5694">
         <dgm:presLayoutVars>
           <dgm:chPref val="3"/>
         </dgm:presLayoutVars>
@@ -1180,7 +1213,7 @@
       <dgm:spPr/>
     </dgm:pt>
     <dgm:pt modelId="{C4011A65-3B5C-8149-9B3D-AA47951D2E7A}" type="pres">
-      <dgm:prSet presAssocID="{6ECA32B9-7FD5-834E-B991-B3091FF79A76}" presName="rootText" presStyleLbl="node2" presStyleIdx="0" presStyleCnt="1" custScaleX="171972" custScaleY="110667">
+      <dgm:prSet presAssocID="{6ECA32B9-7FD5-834E-B991-B3091FF79A76}" presName="rootText" presStyleLbl="node2" presStyleIdx="0" presStyleCnt="1" custScaleX="151952" custScaleY="87725">
         <dgm:presLayoutVars>
           <dgm:chPref val="3"/>
         </dgm:presLayoutVars>
@@ -1212,7 +1245,7 @@
       <dgm:spPr/>
     </dgm:pt>
     <dgm:pt modelId="{8D4023A2-8654-1147-9B11-72835FFAB1A6}" type="pres">
-      <dgm:prSet presAssocID="{6BEEC8F0-6EC4-7241-A835-A858DBA16E51}" presName="rootText" presStyleLbl="node3" presStyleIdx="0" presStyleCnt="1" custScaleX="150627" custScaleY="99862">
+      <dgm:prSet presAssocID="{6BEEC8F0-6EC4-7241-A835-A858DBA16E51}" presName="rootText" presStyleLbl="node3" presStyleIdx="0" presStyleCnt="1" custScaleX="150627" custScaleY="99862" custLinFactNeighborY="-4556">
         <dgm:presLayoutVars>
           <dgm:chPref val="3"/>
         </dgm:presLayoutVars>
@@ -1244,7 +1277,7 @@
       <dgm:spPr/>
     </dgm:pt>
     <dgm:pt modelId="{0E745B06-DC28-E749-8984-7C84D858976B}" type="pres">
-      <dgm:prSet presAssocID="{D33313D7-7914-5547-AD23-C997CEFF1CDF}" presName="rootText" presStyleLbl="node4" presStyleIdx="0" presStyleCnt="1" custScaleX="151971" custLinFactNeighborX="-35791" custLinFactNeighborY="-24383">
+      <dgm:prSet presAssocID="{D33313D7-7914-5547-AD23-C997CEFF1CDF}" presName="rootText" presStyleLbl="node4" presStyleIdx="0" presStyleCnt="1" custScaleX="151971" custLinFactNeighborX="-38068" custLinFactNeighborY="-17429">
         <dgm:presLayoutVars>
           <dgm:chPref val="3"/>
         </dgm:presLayoutVars>
@@ -1277,22 +1310,22 @@
     </dgm:pt>
   </dgm:ptLst>
   <dgm:cxnLst>
-    <dgm:cxn modelId="{29EFDB10-64E4-2D43-A418-902790D3A7EA}" type="presOf" srcId="{D33313D7-7914-5547-AD23-C997CEFF1CDF}" destId="{46D9520A-0B82-964E-B8BD-6591C4957457}" srcOrd="1" destOrd="0" presId="urn:microsoft.com/office/officeart/2005/8/layout/orgChart1"/>
     <dgm:cxn modelId="{F8733E16-400E-2240-823A-012F3CE0CB34}" type="presOf" srcId="{378B0F99-9E1D-104F-AE1C-69533BAEAE28}" destId="{44691BC2-CDDB-6C4B-965C-DFFF58621646}" srcOrd="1" destOrd="0" presId="urn:microsoft.com/office/officeart/2005/8/layout/orgChart1"/>
     <dgm:cxn modelId="{142B102B-B056-674D-B3B9-568722506504}" type="presOf" srcId="{6BEEC8F0-6EC4-7241-A835-A858DBA16E51}" destId="{8D4023A2-8654-1147-9B11-72835FFAB1A6}" srcOrd="0" destOrd="0" presId="urn:microsoft.com/office/officeart/2005/8/layout/orgChart1"/>
-    <dgm:cxn modelId="{56533C5E-3687-4949-BB59-3509C190B949}" type="presOf" srcId="{D33313D7-7914-5547-AD23-C997CEFF1CDF}" destId="{0E745B06-DC28-E749-8984-7C84D858976B}" srcOrd="0" destOrd="0" presId="urn:microsoft.com/office/officeart/2005/8/layout/orgChart1"/>
+    <dgm:cxn modelId="{79532661-BC2F-44F7-A09C-9190323835DB}" type="presOf" srcId="{D33313D7-7914-5547-AD23-C997CEFF1CDF}" destId="{46D9520A-0B82-964E-B8BD-6591C4957457}" srcOrd="1" destOrd="0" presId="urn:microsoft.com/office/officeart/2005/8/layout/orgChart1"/>
     <dgm:cxn modelId="{877DDF41-15B4-E14C-A470-560AC3291887}" type="presOf" srcId="{378B0F99-9E1D-104F-AE1C-69533BAEAE28}" destId="{5DFC0FE5-9118-F84B-BFCC-692CC3F37EA3}" srcOrd="0" destOrd="0" presId="urn:microsoft.com/office/officeart/2005/8/layout/orgChart1"/>
     <dgm:cxn modelId="{B86D3D64-E3B4-0B49-A1AD-650FF0CCEE81}" srcId="{378B0F99-9E1D-104F-AE1C-69533BAEAE28}" destId="{6ECA32B9-7FD5-834E-B991-B3091FF79A76}" srcOrd="0" destOrd="0" parTransId="{AEEB4CB0-55A6-7E4F-8549-91E47E641BFF}" sibTransId="{1E95F926-E557-A04E-8E20-820F9249B077}"/>
     <dgm:cxn modelId="{80D4F06D-E0D7-7548-A699-5A8F64F5F3A4}" type="presOf" srcId="{6ECA32B9-7FD5-834E-B991-B3091FF79A76}" destId="{C4011A65-3B5C-8149-9B3D-AA47951D2E7A}" srcOrd="0" destOrd="0" presId="urn:microsoft.com/office/officeart/2005/8/layout/orgChart1"/>
+    <dgm:cxn modelId="{9B7E074E-DB17-4E6A-9DC7-420C724D3B35}" type="presOf" srcId="{2F89D60E-F8F9-1E43-8233-433851108BA1}" destId="{B44923CF-419D-EF4B-804D-93607F5FE1A2}" srcOrd="0" destOrd="0" presId="urn:microsoft.com/office/officeart/2005/8/layout/orgChart1"/>
     <dgm:cxn modelId="{5678414F-1A46-BC48-BDFB-3FD72415B627}" type="presOf" srcId="{05B60403-3F99-D245-B48A-513CB5B82834}" destId="{5140AAE6-1BDF-A246-9CE7-6C238B82FE3E}" srcOrd="0" destOrd="0" presId="urn:microsoft.com/office/officeart/2005/8/layout/orgChart1"/>
     <dgm:cxn modelId="{74FB1778-D86A-0D40-8241-1825006FB0BB}" type="presOf" srcId="{6ECA32B9-7FD5-834E-B991-B3091FF79A76}" destId="{53FEF0E2-B3EF-6D41-A769-7D308C8E6772}" srcOrd="1" destOrd="0" presId="urn:microsoft.com/office/officeart/2005/8/layout/orgChart1"/>
     <dgm:cxn modelId="{10DEE959-9AC3-4749-9B8F-7AE2E239A8CF}" type="presOf" srcId="{6BEEC8F0-6EC4-7241-A835-A858DBA16E51}" destId="{966D5D4B-B22F-7549-B1EC-2D8010F15B5B}" srcOrd="1" destOrd="0" presId="urn:microsoft.com/office/officeart/2005/8/layout/orgChart1"/>
     <dgm:cxn modelId="{D37A6492-A4EF-2145-945A-159DB6018AF1}" srcId="{6BEEC8F0-6EC4-7241-A835-A858DBA16E51}" destId="{D33313D7-7914-5547-AD23-C997CEFF1CDF}" srcOrd="0" destOrd="0" parTransId="{2F89D60E-F8F9-1E43-8233-433851108BA1}" sibTransId="{1880F0B2-5C6B-0446-8B68-E9CFBF807BFD}"/>
     <dgm:cxn modelId="{2FB21EA2-9776-6146-A508-918A7B885F76}" srcId="{36DE9F1F-1073-3248-A079-F4273E1C002B}" destId="{378B0F99-9E1D-104F-AE1C-69533BAEAE28}" srcOrd="0" destOrd="0" parTransId="{2C8B18BC-3F01-7F4F-878D-00B2651B79A4}" sibTransId="{7DC0D1C4-937E-2346-856C-9D16E564B3AE}"/>
-    <dgm:cxn modelId="{451C0DA7-DE0D-654D-B45C-E650B943C017}" type="presOf" srcId="{2F89D60E-F8F9-1E43-8233-433851108BA1}" destId="{B44923CF-419D-EF4B-804D-93607F5FE1A2}" srcOrd="0" destOrd="0" presId="urn:microsoft.com/office/officeart/2005/8/layout/orgChart1"/>
     <dgm:cxn modelId="{212BA0BE-5771-6542-BABC-67B83B439992}" type="presOf" srcId="{AEEB4CB0-55A6-7E4F-8549-91E47E641BFF}" destId="{3B34B47E-343B-7A4A-89F5-414C16BDC8E8}" srcOrd="0" destOrd="0" presId="urn:microsoft.com/office/officeart/2005/8/layout/orgChart1"/>
     <dgm:cxn modelId="{F7D4CACB-AEB9-E54C-A20A-76A2684BDA2C}" srcId="{6ECA32B9-7FD5-834E-B991-B3091FF79A76}" destId="{6BEEC8F0-6EC4-7241-A835-A858DBA16E51}" srcOrd="0" destOrd="0" parTransId="{05B60403-3F99-D245-B48A-513CB5B82834}" sibTransId="{4BE8C0F8-F92F-A642-83ED-3D808A9EAB57}"/>
     <dgm:cxn modelId="{BF4D86EA-80B1-724B-81CD-D1B1C35EC780}" type="presOf" srcId="{36DE9F1F-1073-3248-A079-F4273E1C002B}" destId="{7121C481-37B0-A443-8768-FEB4F64AB314}" srcOrd="0" destOrd="0" presId="urn:microsoft.com/office/officeart/2005/8/layout/orgChart1"/>
+    <dgm:cxn modelId="{9106F5F9-53C9-4060-9214-40EBC1165362}" type="presOf" srcId="{D33313D7-7914-5547-AD23-C997CEFF1CDF}" destId="{0E745B06-DC28-E749-8984-7C84D858976B}" srcOrd="0" destOrd="0" presId="urn:microsoft.com/office/officeart/2005/8/layout/orgChart1"/>
     <dgm:cxn modelId="{7C40F197-9D24-BA4D-AB49-B5378A919A28}" type="presParOf" srcId="{7121C481-37B0-A443-8768-FEB4F64AB314}" destId="{3FAFE409-A6F0-A346-94A0-32B14F69C428}" srcOrd="0" destOrd="0" presId="urn:microsoft.com/office/officeart/2005/8/layout/orgChart1"/>
     <dgm:cxn modelId="{C525ECF6-765C-9E45-9758-A86500A9A3FD}" type="presParOf" srcId="{3FAFE409-A6F0-A346-94A0-32B14F69C428}" destId="{5CA831E2-590A-554F-B9FB-2010722D25D6}" srcOrd="0" destOrd="0" presId="urn:microsoft.com/office/officeart/2005/8/layout/orgChart1"/>
     <dgm:cxn modelId="{DB8BD19D-5E43-4E4A-AE6D-6131B98BF81B}" type="presParOf" srcId="{5CA831E2-590A-554F-B9FB-2010722D25D6}" destId="{5DFC0FE5-9118-F84B-BFCC-692CC3F37EA3}" srcOrd="0" destOrd="0" presId="urn:microsoft.com/office/officeart/2005/8/layout/orgChart1"/>
@@ -1310,13 +1343,13 @@
     <dgm:cxn modelId="{3CE1477B-DCCD-9A42-8E1D-A36F95C07268}" type="presParOf" srcId="{D84AA90D-8018-084A-B17A-F0F0C7996507}" destId="{8D4023A2-8654-1147-9B11-72835FFAB1A6}" srcOrd="0" destOrd="0" presId="urn:microsoft.com/office/officeart/2005/8/layout/orgChart1"/>
     <dgm:cxn modelId="{7A315C28-9DBE-0E49-8E66-AEB2888D5452}" type="presParOf" srcId="{D84AA90D-8018-084A-B17A-F0F0C7996507}" destId="{966D5D4B-B22F-7549-B1EC-2D8010F15B5B}" srcOrd="1" destOrd="0" presId="urn:microsoft.com/office/officeart/2005/8/layout/orgChart1"/>
     <dgm:cxn modelId="{4D96AA8F-928A-6E42-9639-4F0EBDB7FF45}" type="presParOf" srcId="{CA0514EA-F100-D547-8AB6-78CA363DA9A5}" destId="{1D47D70E-D18A-AE40-ADEC-EAD4BC619440}" srcOrd="1" destOrd="0" presId="urn:microsoft.com/office/officeart/2005/8/layout/orgChart1"/>
-    <dgm:cxn modelId="{827444EE-969A-404C-83FC-A956BEC732B2}" type="presParOf" srcId="{1D47D70E-D18A-AE40-ADEC-EAD4BC619440}" destId="{B44923CF-419D-EF4B-804D-93607F5FE1A2}" srcOrd="0" destOrd="0" presId="urn:microsoft.com/office/officeart/2005/8/layout/orgChart1"/>
-    <dgm:cxn modelId="{BA2C7EF7-75DA-6B4F-863E-01FBAFA7151B}" type="presParOf" srcId="{1D47D70E-D18A-AE40-ADEC-EAD4BC619440}" destId="{E116C15C-30EA-B24B-80B3-068880B1295B}" srcOrd="1" destOrd="0" presId="urn:microsoft.com/office/officeart/2005/8/layout/orgChart1"/>
-    <dgm:cxn modelId="{DC9E7730-10F5-0D47-8BCC-0BECA494F154}" type="presParOf" srcId="{E116C15C-30EA-B24B-80B3-068880B1295B}" destId="{EDABF837-9CF2-C745-B651-CC139CDA0BCF}" srcOrd="0" destOrd="0" presId="urn:microsoft.com/office/officeart/2005/8/layout/orgChart1"/>
-    <dgm:cxn modelId="{D7462806-8B88-934A-8945-62A00F4B3064}" type="presParOf" srcId="{EDABF837-9CF2-C745-B651-CC139CDA0BCF}" destId="{0E745B06-DC28-E749-8984-7C84D858976B}" srcOrd="0" destOrd="0" presId="urn:microsoft.com/office/officeart/2005/8/layout/orgChart1"/>
-    <dgm:cxn modelId="{41DFE953-250A-6C4C-8D62-B70C2C80D415}" type="presParOf" srcId="{EDABF837-9CF2-C745-B651-CC139CDA0BCF}" destId="{46D9520A-0B82-964E-B8BD-6591C4957457}" srcOrd="1" destOrd="0" presId="urn:microsoft.com/office/officeart/2005/8/layout/orgChart1"/>
-    <dgm:cxn modelId="{CEBDDAE7-90E3-B549-A024-4CA0E44B46A7}" type="presParOf" srcId="{E116C15C-30EA-B24B-80B3-068880B1295B}" destId="{44A0D129-BD7C-AE40-B38F-F338622ED1CA}" srcOrd="1" destOrd="0" presId="urn:microsoft.com/office/officeart/2005/8/layout/orgChart1"/>
-    <dgm:cxn modelId="{C51156B3-BA07-B747-A787-CC82BCD5DE8C}" type="presParOf" srcId="{E116C15C-30EA-B24B-80B3-068880B1295B}" destId="{B88F5201-DE21-284A-AB3A-757E4124E81B}" srcOrd="2" destOrd="0" presId="urn:microsoft.com/office/officeart/2005/8/layout/orgChart1"/>
+    <dgm:cxn modelId="{4F1E2413-6931-4FD1-920F-9F48450CFA0E}" type="presParOf" srcId="{1D47D70E-D18A-AE40-ADEC-EAD4BC619440}" destId="{B44923CF-419D-EF4B-804D-93607F5FE1A2}" srcOrd="0" destOrd="0" presId="urn:microsoft.com/office/officeart/2005/8/layout/orgChart1"/>
+    <dgm:cxn modelId="{1E5A94A1-ADF7-4D8A-BFC8-E0A77AE5B5B1}" type="presParOf" srcId="{1D47D70E-D18A-AE40-ADEC-EAD4BC619440}" destId="{E116C15C-30EA-B24B-80B3-068880B1295B}" srcOrd="1" destOrd="0" presId="urn:microsoft.com/office/officeart/2005/8/layout/orgChart1"/>
+    <dgm:cxn modelId="{AA489936-091B-4CED-B2BC-C389DBEA627D}" type="presParOf" srcId="{E116C15C-30EA-B24B-80B3-068880B1295B}" destId="{EDABF837-9CF2-C745-B651-CC139CDA0BCF}" srcOrd="0" destOrd="0" presId="urn:microsoft.com/office/officeart/2005/8/layout/orgChart1"/>
+    <dgm:cxn modelId="{984DF3D1-222D-4322-AF59-D735A1CC163D}" type="presParOf" srcId="{EDABF837-9CF2-C745-B651-CC139CDA0BCF}" destId="{0E745B06-DC28-E749-8984-7C84D858976B}" srcOrd="0" destOrd="0" presId="urn:microsoft.com/office/officeart/2005/8/layout/orgChart1"/>
+    <dgm:cxn modelId="{355E8223-BB38-4DF1-B8EA-6B19F7982D81}" type="presParOf" srcId="{EDABF837-9CF2-C745-B651-CC139CDA0BCF}" destId="{46D9520A-0B82-964E-B8BD-6591C4957457}" srcOrd="1" destOrd="0" presId="urn:microsoft.com/office/officeart/2005/8/layout/orgChart1"/>
+    <dgm:cxn modelId="{E2D0739E-2099-4BF0-BCEA-53F9C79925F5}" type="presParOf" srcId="{E116C15C-30EA-B24B-80B3-068880B1295B}" destId="{44A0D129-BD7C-AE40-B38F-F338622ED1CA}" srcOrd="1" destOrd="0" presId="urn:microsoft.com/office/officeart/2005/8/layout/orgChart1"/>
+    <dgm:cxn modelId="{6617CCBC-6A0F-44FD-B73B-12DB0D7557FC}" type="presParOf" srcId="{E116C15C-30EA-B24B-80B3-068880B1295B}" destId="{B88F5201-DE21-284A-AB3A-757E4124E81B}" srcOrd="2" destOrd="0" presId="urn:microsoft.com/office/officeart/2005/8/layout/orgChart1"/>
     <dgm:cxn modelId="{ACCA16C9-F0D7-F246-A803-2B89C45BF20C}" type="presParOf" srcId="{CA0514EA-F100-D547-8AB6-78CA363DA9A5}" destId="{EE82B0E4-0FD0-1749-AC7B-285D95D3AB0A}" srcOrd="2" destOrd="0" presId="urn:microsoft.com/office/officeart/2005/8/layout/orgChart1"/>
     <dgm:cxn modelId="{012C6956-7406-4A48-81F9-20A7B86682AD}" type="presParOf" srcId="{6974098A-9A70-F145-849A-EABD180297C6}" destId="{874D687F-36BE-C344-BC65-4D5794B6F6FB}" srcOrd="2" destOrd="0" presId="urn:microsoft.com/office/officeart/2005/8/layout/orgChart1"/>
     <dgm:cxn modelId="{DC7B4DEF-5673-7342-83BB-DE224A8FA96F}" type="presParOf" srcId="{3FAFE409-A6F0-A346-94A0-32B14F69C428}" destId="{32272F7F-C98B-964E-B345-083B10FFDF83}" srcOrd="2" destOrd="0" presId="urn:microsoft.com/office/officeart/2005/8/layout/orgChart1"/>
@@ -1346,8 +1379,8 @@
       </dsp:nvSpPr>
       <dsp:spPr>
         <a:xfrm>
-          <a:off x="2086869" y="4802670"/>
-          <a:ext cx="321118" cy="822654"/>
+          <a:off x="1804611" y="4668707"/>
+          <a:ext cx="393656" cy="1006494"/>
         </a:xfrm>
         <a:custGeom>
           <a:avLst/>
@@ -1358,10 +1391,10 @@
           <a:pathLst>
             <a:path>
               <a:moveTo>
-                <a:pt x="321118" y="0"/>
+                <a:pt x="393656" y="0"/>
               </a:moveTo>
               <a:lnTo>
-                <a:pt x="0" y="822654"/>
+                <a:pt x="0" y="1006494"/>
               </a:lnTo>
             </a:path>
           </a:pathLst>
@@ -1411,8 +1444,8 @@
       </dsp:nvSpPr>
       <dsp:spPr>
         <a:xfrm>
-          <a:off x="3828336" y="3076723"/>
-          <a:ext cx="91440" cy="510988"/>
+          <a:off x="3685327" y="2922177"/>
+          <a:ext cx="91440" cy="476287"/>
         </a:xfrm>
         <a:custGeom>
           <a:avLst/>
@@ -1426,7 +1459,7 @@
                 <a:pt x="45720" y="0"/>
               </a:moveTo>
               <a:lnTo>
-                <a:pt x="45720" y="510988"/>
+                <a:pt x="45720" y="476287"/>
               </a:lnTo>
             </a:path>
           </a:pathLst>
@@ -1476,8 +1509,8 @@
       </dsp:nvSpPr>
       <dsp:spPr>
         <a:xfrm>
-          <a:off x="3828336" y="1219318"/>
-          <a:ext cx="91440" cy="510988"/>
+          <a:off x="3685327" y="1344505"/>
+          <a:ext cx="91440" cy="461811"/>
         </a:xfrm>
         <a:custGeom>
           <a:avLst/>
@@ -1491,7 +1524,7 @@
                 <a:pt x="45720" y="0"/>
               </a:moveTo>
               <a:lnTo>
-                <a:pt x="45720" y="510988"/>
+                <a:pt x="45720" y="461811"/>
               </a:lnTo>
             </a:path>
           </a:pathLst>
@@ -1541,18 +1574,15 @@
       </dsp:nvSpPr>
       <dsp:spPr>
         <a:xfrm>
-          <a:off x="2190156" y="2680"/>
-          <a:ext cx="3367800" cy="1216638"/>
+          <a:off x="2175164" y="72506"/>
+          <a:ext cx="3111766" cy="1271998"/>
         </a:xfrm>
         <a:prstGeom prst="rect">
           <a:avLst/>
         </a:prstGeom>
         <a:solidFill>
-          <a:schemeClr val="lt1">
-            <a:hueOff val="0"/>
-            <a:satOff val="0"/>
-            <a:lumOff val="0"/>
-            <a:alphaOff val="0"/>
+          <a:schemeClr val="bg1">
+            <a:lumMod val="75000"/>
           </a:schemeClr>
         </a:solidFill>
         <a:ln>
@@ -1605,15 +1635,14 @@
             <a:buNone/>
           </a:pPr>
           <a:r>
-            <a:rPr lang="en-US" sz="2000" kern="1200"/>
+            <a:rPr lang="en-US" sz="2000" kern="1200" dirty="0"/>
             <a:t>0/3290 schools geolocated</a:t>
           </a:r>
-          <a:endParaRPr lang="en-US" sz="2000" kern="1200" dirty="0"/>
         </a:p>
       </dsp:txBody>
       <dsp:txXfrm>
-        <a:off x="2190156" y="2680"/>
-        <a:ext cx="3367800" cy="1216638"/>
+        <a:off x="2175164" y="72506"/>
+        <a:ext cx="3111766" cy="1271998"/>
       </dsp:txXfrm>
     </dsp:sp>
     <dsp:sp modelId="{C4011A65-3B5C-8149-9B3D-AA47951D2E7A}">
@@ -1623,8 +1652,8 @@
       </dsp:nvSpPr>
       <dsp:spPr>
         <a:xfrm>
-          <a:off x="1781779" y="1730306"/>
-          <a:ext cx="4184554" cy="1346416"/>
+          <a:off x="1798219" y="1806316"/>
+          <a:ext cx="3865654" cy="1115860"/>
         </a:xfrm>
         <a:prstGeom prst="rect">
           <a:avLst/>
@@ -1685,19 +1714,36 @@
             <a:buNone/>
           </a:pPr>
           <a:r>
-            <a:rPr lang="en-US" sz="2000" kern="1200"/>
+            <a:rPr lang="en-US" sz="2000" kern="1200" dirty="0"/>
+            <a:t>1. </a:t>
+          </a:r>
+        </a:p>
+        <a:p>
+          <a:pPr marL="0" lvl="0" indent="0" algn="ctr" defTabSz="889000">
+            <a:lnSpc>
+              <a:spcPct val="90000"/>
+            </a:lnSpc>
+            <a:spcBef>
+              <a:spcPct val="0"/>
+            </a:spcBef>
+            <a:spcAft>
+              <a:spcPct val="35000"/>
+            </a:spcAft>
+            <a:buNone/>
+          </a:pPr>
+          <a:r>
+            <a:rPr lang="en-US" sz="2000" kern="1200" dirty="0"/>
             <a:t>1374/3290 (41.8%) schools geolocated with </a:t>
           </a:r>
           <a:r>
-            <a:rPr lang="en-US" sz="2000" b="1" kern="1200"/>
+            <a:rPr lang="en-US" sz="2000" b="1" kern="1200" dirty="0"/>
             <a:t>GMAPS API</a:t>
           </a:r>
-          <a:endParaRPr lang="en-US" sz="2000" b="1" kern="1200" dirty="0"/>
         </a:p>
       </dsp:txBody>
       <dsp:txXfrm>
-        <a:off x="1781779" y="1730306"/>
-        <a:ext cx="4184554" cy="1346416"/>
+        <a:off x="1798219" y="1806316"/>
+        <a:ext cx="3865654" cy="1115860"/>
       </dsp:txXfrm>
     </dsp:sp>
     <dsp:sp modelId="{8D4023A2-8654-1147-9B11-72835FFAB1A6}">
@@ -1707,8 +1753,8 @@
       </dsp:nvSpPr>
       <dsp:spPr>
         <a:xfrm>
-          <a:off x="2041471" y="3587711"/>
-          <a:ext cx="3665171" cy="1214959"/>
+          <a:off x="1815073" y="3398464"/>
+          <a:ext cx="3831946" cy="1270243"/>
         </a:xfrm>
         <a:prstGeom prst="rect">
           <a:avLst/>
@@ -1769,19 +1815,44 @@
             <a:buNone/>
           </a:pPr>
           <a:r>
-            <a:rPr lang="en-US" sz="2000" kern="1200"/>
-            <a:t>1373/3290 (41.7%) additional schools geolocated by </a:t>
+            <a:rPr lang="en-US" sz="2000" kern="1200" dirty="0"/>
+            <a:t>2. </a:t>
+          </a:r>
+        </a:p>
+        <a:p>
+          <a:pPr marL="0" lvl="0" indent="0" algn="ctr" defTabSz="889000">
+            <a:lnSpc>
+              <a:spcPct val="90000"/>
+            </a:lnSpc>
+            <a:spcBef>
+              <a:spcPct val="0"/>
+            </a:spcBef>
+            <a:spcAft>
+              <a:spcPct val="35000"/>
+            </a:spcAft>
+            <a:buNone/>
+          </a:pPr>
+          <a:r>
+            <a:rPr lang="en-US" sz="2000" kern="1200" dirty="0"/>
+            <a:t>An additional 1373 (41.7%) schools geolocated by </a:t>
           </a:r>
           <a:r>
-            <a:rPr lang="en-US" sz="2000" b="1" kern="1200"/>
-            <a:t>locality shapefile </a:t>
+            <a:rPr lang="en-US" sz="2000" b="1" kern="1200" dirty="0"/>
+            <a:t>locality shapefile, </a:t>
           </a:r>
-          <a:endParaRPr lang="en-US" sz="2000" b="1" kern="1200" dirty="0"/>
+          <a:r>
+            <a:rPr lang="en-US" sz="2000" b="0" kern="1200" dirty="0"/>
+            <a:t>for a total of 2747 (83.5%) so far</a:t>
+          </a:r>
+          <a:r>
+            <a:rPr lang="en-US" sz="2000" b="1" kern="1200" dirty="0"/>
+            <a:t> </a:t>
+          </a:r>
         </a:p>
       </dsp:txBody>
       <dsp:txXfrm>
-        <a:off x="2041471" y="3587711"/>
-        <a:ext cx="3665171" cy="1214959"/>
+        <a:off x="1815073" y="3398464"/>
+        <a:ext cx="3831946" cy="1270243"/>
       </dsp:txXfrm>
     </dsp:sp>
     <dsp:sp modelId="{0E745B06-DC28-E749-8984-7C84D858976B}">
@@ -1791,8 +1862,8 @@
       </dsp:nvSpPr>
       <dsp:spPr>
         <a:xfrm>
-          <a:off x="2086869" y="5017005"/>
-          <a:ext cx="3697874" cy="1216638"/>
+          <a:off x="1804611" y="5039202"/>
+          <a:ext cx="3866137" cy="1271998"/>
         </a:xfrm>
         <a:prstGeom prst="rect">
           <a:avLst/>
@@ -1853,19 +1924,41 @@
             <a:buNone/>
           </a:pPr>
           <a:r>
-            <a:rPr lang="en-US" sz="2000" kern="1200"/>
-            <a:t>543/3290 schools (16.5%) additional schools geolocated by </a:t>
+            <a:rPr lang="en-US" sz="2000" kern="1200" dirty="0"/>
+            <a:t>3. </a:t>
+          </a:r>
+        </a:p>
+        <a:p>
+          <a:pPr marL="0" lvl="0" indent="0" algn="ctr" defTabSz="889000">
+            <a:lnSpc>
+              <a:spcPct val="90000"/>
+            </a:lnSpc>
+            <a:spcBef>
+              <a:spcPct val="0"/>
+            </a:spcBef>
+            <a:spcAft>
+              <a:spcPct val="35000"/>
+            </a:spcAft>
+            <a:buNone/>
+          </a:pPr>
+          <a:r>
+            <a:rPr lang="en-US" sz="2000" kern="1200" dirty="0"/>
+            <a:t>An additional 543 schools (16.5%) geolocated by </a:t>
           </a:r>
           <a:r>
-            <a:rPr lang="en-US" sz="2000" b="1" kern="1200"/>
-            <a:t>municipality shapefile</a:t>
+            <a:rPr lang="en-US" sz="2000" b="1" kern="1200" dirty="0"/>
+            <a:t>municipality shapefile, </a:t>
+          </a:r>
+          <a:r>
+            <a:rPr lang="en-US" sz="2000" b="0" kern="1200" dirty="0"/>
+            <a:t>for a total of 3290 schools</a:t>
           </a:r>
           <a:endParaRPr lang="en-US" sz="2000" b="1" kern="1200" dirty="0"/>
         </a:p>
       </dsp:txBody>
       <dsp:txXfrm>
-        <a:off x="2086869" y="5017005"/>
-        <a:ext cx="3697874" cy="1216638"/>
+        <a:off x="1804611" y="5039202"/>
+        <a:ext cx="3866137" cy="1271998"/>
       </dsp:txXfrm>
     </dsp:sp>
   </dsp:spTree>
@@ -7655,7 +7748,7 @@
           <p:nvPr>
             <p:extLst>
               <p:ext uri="{D42A27DB-BD31-4B8C-83A1-F6EECF244321}">
-                <p14:modId xmlns:p14="http://schemas.microsoft.com/office/powerpoint/2010/main" val="2931230038"/>
+                <p14:modId xmlns:p14="http://schemas.microsoft.com/office/powerpoint/2010/main" val="1833460776"/>
               </p:ext>
             </p:extLst>
           </p:nvPr>
@@ -7684,7 +7777,7 @@
         </p:nvSpPr>
         <p:spPr>
           <a:xfrm>
-            <a:off x="7514323" y="3782291"/>
+            <a:off x="9273849" y="3671455"/>
             <a:ext cx="1541383" cy="1101716"/>
           </a:xfrm>
           <a:prstGeom prst="roundRect">
@@ -7714,12 +7807,12 @@
           <a:p>
             <a:pPr algn="ctr"/>
             <a:r>
-              <a:rPr lang="en-US" b="1">
+              <a:rPr lang="en-US" b="1" dirty="0">
                 <a:solidFill>
                   <a:srgbClr val="002060"/>
                 </a:solidFill>
               </a:rPr>
-              <a:t>2747 (83.5%) geolocated so far</a:t>
+              <a:t>2747 (83.5%) geolocated to this point</a:t>
             </a:r>
           </a:p>
         </p:txBody>
@@ -7738,7 +7831,7 @@
         </p:nvSpPr>
         <p:spPr>
           <a:xfrm>
-            <a:off x="7514323" y="5226906"/>
+            <a:off x="9273849" y="5167745"/>
             <a:ext cx="1541383" cy="1101716"/>
           </a:xfrm>
           <a:prstGeom prst="roundRect">
@@ -7768,16 +7861,88 @@
           <a:p>
             <a:pPr algn="ctr"/>
             <a:r>
-              <a:rPr lang="en-US" b="1">
+              <a:rPr lang="en-US" b="1" dirty="0">
                 <a:solidFill>
                   <a:srgbClr val="002060"/>
                 </a:solidFill>
               </a:rPr>
-              <a:t>3290 (100%) schools geolocated so far</a:t>
+              <a:t>3290 (100%) schools geolocated to this point</a:t>
             </a:r>
           </a:p>
         </p:txBody>
       </p:sp>
+      <p:sp>
+        <p:nvSpPr>
+          <p:cNvPr id="10" name="TextBox 9">
+            <a:extLst>
+              <a:ext uri="{FF2B5EF4-FFF2-40B4-BE49-F238E27FC236}">
+                <a16:creationId xmlns:a16="http://schemas.microsoft.com/office/drawing/2014/main" id="{BBB4D55B-B60B-4332-9D9E-2C8C9384CB78}"/>
+              </a:ext>
+            </a:extLst>
+          </p:cNvPr>
+          <p:cNvSpPr txBox="1"/>
+          <p:nvPr/>
+        </p:nvSpPr>
+        <p:spPr>
+          <a:xfrm>
+            <a:off x="3200400" y="4862944"/>
+            <a:ext cx="374073" cy="277091"/>
+          </a:xfrm>
+          <a:prstGeom prst="rect">
+            <a:avLst/>
+          </a:prstGeom>
+          <a:solidFill>
+            <a:schemeClr val="bg1"/>
+          </a:solidFill>
+        </p:spPr>
+        <p:txBody>
+          <a:bodyPr wrap="square" rtlCol="0">
+            <a:spAutoFit/>
+          </a:bodyPr>
+          <a:lstStyle/>
+          <a:p>
+            <a:endParaRPr lang="en-US" dirty="0"/>
+          </a:p>
+        </p:txBody>
+      </p:sp>
+      <p:cxnSp>
+        <p:nvCxnSpPr>
+          <p:cNvPr id="12" name="Straight Connector 11">
+            <a:extLst>
+              <a:ext uri="{FF2B5EF4-FFF2-40B4-BE49-F238E27FC236}">
+                <a16:creationId xmlns:a16="http://schemas.microsoft.com/office/drawing/2014/main" id="{4A51C217-2C1D-4679-8ED7-BBF8B5DCC415}"/>
+              </a:ext>
+            </a:extLst>
+          </p:cNvPr>
+          <p:cNvCxnSpPr>
+            <a:cxnSpLocks/>
+          </p:cNvCxnSpPr>
+          <p:nvPr/>
+        </p:nvCxnSpPr>
+        <p:spPr>
+          <a:xfrm>
+            <a:off x="4918364" y="4787026"/>
+            <a:ext cx="0" cy="380719"/>
+          </a:xfrm>
+          <a:prstGeom prst="line">
+            <a:avLst/>
+          </a:prstGeom>
+        </p:spPr>
+        <p:style>
+          <a:lnRef idx="1">
+            <a:schemeClr val="dk1"/>
+          </a:lnRef>
+          <a:fillRef idx="0">
+            <a:schemeClr val="dk1"/>
+          </a:fillRef>
+          <a:effectRef idx="0">
+            <a:schemeClr val="dk1"/>
+          </a:effectRef>
+          <a:fontRef idx="minor">
+            <a:schemeClr val="tx1"/>
+          </a:fontRef>
+        </p:style>
+      </p:cxnSp>
     </p:spTree>
     <p:extLst>
       <p:ext uri="{BB962C8B-B14F-4D97-AF65-F5344CB8AC3E}">

--- a/Pictures/flowchart_Fig.pptx
+++ b/Pictures/flowchart_Fig.pptx
@@ -7,6 +7,7 @@
   <p:sldIdLst>
     <p:sldId id="256" r:id="rId2"/>
     <p:sldId id="257" r:id="rId3"/>
+    <p:sldId id="260" r:id="rId4"/>
   </p:sldIdLst>
   <p:sldSz cx="12192000" cy="6858000"/>
   <p:notesSz cx="6858000" cy="9144000"/>
@@ -105,6 +106,11 @@
       </a:defRPr>
     </a:lvl9pPr>
   </p:defaultTextStyle>
+  <p:extLst>
+    <p:ext uri="{EFAFB233-063F-42B5-8137-9DF3F51BA10A}">
+      <p15:sldGuideLst xmlns:p15="http://schemas.microsoft.com/office/powerpoint/2012/main"/>
+    </p:ext>
+  </p:extLst>
 </p:presentation>
 </file>
 
@@ -956,7 +962,7 @@
         <a:p>
           <a:r>
             <a:rPr lang="en-US" sz="2000" dirty="0"/>
-            <a:t>0/3290 schools geolocated</a:t>
+            <a:t>Began with 3290 school addresses from SEGEY (need to be geolocated)</a:t>
           </a:r>
         </a:p>
       </dgm:t>
@@ -996,12 +1002,6 @@
       <dgm:t>
         <a:bodyPr/>
         <a:lstStyle/>
-        <a:p>
-          <a:r>
-            <a:rPr lang="en-US" sz="2000" dirty="0"/>
-            <a:t>1. </a:t>
-          </a:r>
-        </a:p>
         <a:p>
           <a:r>
             <a:rPr lang="en-US" sz="2000" dirty="0"/>
@@ -1050,10 +1050,7 @@
         <a:bodyPr/>
         <a:lstStyle/>
         <a:p>
-          <a:r>
-            <a:rPr lang="en-US" sz="2000" dirty="0"/>
-            <a:t>2. </a:t>
-          </a:r>
+          <a:endParaRPr lang="en-US" sz="2000" dirty="0"/>
         </a:p>
         <a:p>
           <a:r>
@@ -1145,6 +1142,39 @@
       </dgm:t>
     </dgm:pt>
     <dgm:pt modelId="{2F89D60E-F8F9-1E43-8233-433851108BA1}" type="parTrans" cxnId="{D37A6492-A4EF-2145-945A-159DB6018AF1}">
+      <dgm:prSet/>
+      <dgm:spPr/>
+      <dgm:t>
+        <a:bodyPr/>
+        <a:lstStyle/>
+        <a:p>
+          <a:endParaRPr lang="en-US"/>
+        </a:p>
+      </dgm:t>
+    </dgm:pt>
+    <dgm:pt modelId="{B22DE544-4D0A-41BA-BC20-33E2BD468B4B}">
+      <dgm:prSet/>
+      <dgm:spPr/>
+      <dgm:t>
+        <a:bodyPr/>
+        <a:lstStyle/>
+        <a:p>
+          <a:endParaRPr lang="en-US"/>
+        </a:p>
+      </dgm:t>
+    </dgm:pt>
+    <dgm:pt modelId="{AE620CE3-B847-4D98-9A69-C7C249276747}" type="parTrans" cxnId="{029264CD-7C29-4CD7-ACDC-E705DC20C2C7}">
+      <dgm:prSet/>
+      <dgm:spPr/>
+      <dgm:t>
+        <a:bodyPr/>
+        <a:lstStyle/>
+        <a:p>
+          <a:endParaRPr lang="en-US"/>
+        </a:p>
+      </dgm:t>
+    </dgm:pt>
+    <dgm:pt modelId="{52DA98C7-3E80-4204-A5E2-26F65C89B072}" type="sibTrans" cxnId="{029264CD-7C29-4CD7-ACDC-E705DC20C2C7}">
       <dgm:prSet/>
       <dgm:spPr/>
       <dgm:t>
@@ -1261,7 +1291,7 @@
       <dgm:spPr/>
     </dgm:pt>
     <dgm:pt modelId="{B44923CF-419D-EF4B-804D-93607F5FE1A2}" type="pres">
-      <dgm:prSet presAssocID="{2F89D60E-F8F9-1E43-8233-433851108BA1}" presName="Name37" presStyleLbl="parChTrans1D4" presStyleIdx="0" presStyleCnt="1"/>
+      <dgm:prSet presAssocID="{2F89D60E-F8F9-1E43-8233-433851108BA1}" presName="Name37" presStyleLbl="parChTrans1D4" presStyleIdx="0" presStyleCnt="2"/>
       <dgm:spPr/>
     </dgm:pt>
     <dgm:pt modelId="{E116C15C-30EA-B24B-80B3-068880B1295B}" type="pres">
@@ -1277,7 +1307,7 @@
       <dgm:spPr/>
     </dgm:pt>
     <dgm:pt modelId="{0E745B06-DC28-E749-8984-7C84D858976B}" type="pres">
-      <dgm:prSet presAssocID="{D33313D7-7914-5547-AD23-C997CEFF1CDF}" presName="rootText" presStyleLbl="node4" presStyleIdx="0" presStyleCnt="1" custScaleX="151971" custLinFactNeighborX="-38068" custLinFactNeighborY="-17429">
+      <dgm:prSet presAssocID="{D33313D7-7914-5547-AD23-C997CEFF1CDF}" presName="rootText" presStyleLbl="node4" presStyleIdx="0" presStyleCnt="2" custScaleX="151971" custLinFactX="-9532" custLinFactNeighborX="-100000" custLinFactNeighborY="31368">
         <dgm:presLayoutVars>
           <dgm:chPref val="3"/>
         </dgm:presLayoutVars>
@@ -1285,7 +1315,7 @@
       <dgm:spPr/>
     </dgm:pt>
     <dgm:pt modelId="{46D9520A-0B82-964E-B8BD-6591C4957457}" type="pres">
-      <dgm:prSet presAssocID="{D33313D7-7914-5547-AD23-C997CEFF1CDF}" presName="rootConnector" presStyleLbl="node4" presStyleIdx="0" presStyleCnt="1"/>
+      <dgm:prSet presAssocID="{D33313D7-7914-5547-AD23-C997CEFF1CDF}" presName="rootConnector" presStyleLbl="node4" presStyleIdx="0" presStyleCnt="2"/>
       <dgm:spPr/>
     </dgm:pt>
     <dgm:pt modelId="{44A0D129-BD7C-AE40-B38F-F338622ED1CA}" type="pres">
@@ -1294,6 +1324,42 @@
     </dgm:pt>
     <dgm:pt modelId="{B88F5201-DE21-284A-AB3A-757E4124E81B}" type="pres">
       <dgm:prSet presAssocID="{D33313D7-7914-5547-AD23-C997CEFF1CDF}" presName="hierChild5" presStyleCnt="0"/>
+      <dgm:spPr/>
+    </dgm:pt>
+    <dgm:pt modelId="{7C742332-ABC1-414E-B48E-8638C7457C6C}" type="pres">
+      <dgm:prSet presAssocID="{AE620CE3-B847-4D98-9A69-C7C249276747}" presName="Name37" presStyleLbl="parChTrans1D4" presStyleIdx="1" presStyleCnt="2"/>
+      <dgm:spPr/>
+    </dgm:pt>
+    <dgm:pt modelId="{AB84B852-AEFC-4FBC-B36B-1141DE354ADA}" type="pres">
+      <dgm:prSet presAssocID="{B22DE544-4D0A-41BA-BC20-33E2BD468B4B}" presName="hierRoot2" presStyleCnt="0">
+        <dgm:presLayoutVars>
+          <dgm:hierBranch val="init"/>
+        </dgm:presLayoutVars>
+      </dgm:prSet>
+      <dgm:spPr/>
+    </dgm:pt>
+    <dgm:pt modelId="{D0AF2009-37AE-4447-92B0-108BB72A7070}" type="pres">
+      <dgm:prSet presAssocID="{B22DE544-4D0A-41BA-BC20-33E2BD468B4B}" presName="rootComposite" presStyleCnt="0"/>
+      <dgm:spPr/>
+    </dgm:pt>
+    <dgm:pt modelId="{DB2CE594-7ADF-432A-B795-ABA7CF93006D}" type="pres">
+      <dgm:prSet presAssocID="{B22DE544-4D0A-41BA-BC20-33E2BD468B4B}" presName="rootText" presStyleLbl="node4" presStyleIdx="1" presStyleCnt="2" custLinFactX="6531" custLinFactY="-40497" custLinFactNeighborX="100000" custLinFactNeighborY="-100000">
+        <dgm:presLayoutVars>
+          <dgm:chPref val="3"/>
+        </dgm:presLayoutVars>
+      </dgm:prSet>
+      <dgm:spPr/>
+    </dgm:pt>
+    <dgm:pt modelId="{83C16676-BD7F-4649-8D76-9011206D0969}" type="pres">
+      <dgm:prSet presAssocID="{B22DE544-4D0A-41BA-BC20-33E2BD468B4B}" presName="rootConnector" presStyleLbl="node4" presStyleIdx="1" presStyleCnt="2"/>
+      <dgm:spPr/>
+    </dgm:pt>
+    <dgm:pt modelId="{A8B1C5D9-54E0-4413-B22F-5455605AF5E1}" type="pres">
+      <dgm:prSet presAssocID="{B22DE544-4D0A-41BA-BC20-33E2BD468B4B}" presName="hierChild4" presStyleCnt="0"/>
+      <dgm:spPr/>
+    </dgm:pt>
+    <dgm:pt modelId="{915469A0-2A0B-4698-9588-D083FD0D986A}" type="pres">
+      <dgm:prSet presAssocID="{B22DE544-4D0A-41BA-BC20-33E2BD468B4B}" presName="hierChild5" presStyleCnt="0"/>
       <dgm:spPr/>
     </dgm:pt>
     <dgm:pt modelId="{EE82B0E4-0FD0-1749-AC7B-285D95D3AB0A}" type="pres">
@@ -1315,15 +1381,19 @@
     <dgm:cxn modelId="{79532661-BC2F-44F7-A09C-9190323835DB}" type="presOf" srcId="{D33313D7-7914-5547-AD23-C997CEFF1CDF}" destId="{46D9520A-0B82-964E-B8BD-6591C4957457}" srcOrd="1" destOrd="0" presId="urn:microsoft.com/office/officeart/2005/8/layout/orgChart1"/>
     <dgm:cxn modelId="{877DDF41-15B4-E14C-A470-560AC3291887}" type="presOf" srcId="{378B0F99-9E1D-104F-AE1C-69533BAEAE28}" destId="{5DFC0FE5-9118-F84B-BFCC-692CC3F37EA3}" srcOrd="0" destOrd="0" presId="urn:microsoft.com/office/officeart/2005/8/layout/orgChart1"/>
     <dgm:cxn modelId="{B86D3D64-E3B4-0B49-A1AD-650FF0CCEE81}" srcId="{378B0F99-9E1D-104F-AE1C-69533BAEAE28}" destId="{6ECA32B9-7FD5-834E-B991-B3091FF79A76}" srcOrd="0" destOrd="0" parTransId="{AEEB4CB0-55A6-7E4F-8549-91E47E641BFF}" sibTransId="{1E95F926-E557-A04E-8E20-820F9249B077}"/>
+    <dgm:cxn modelId="{E93D0A45-569B-4079-9810-E20333AFFE10}" type="presOf" srcId="{B22DE544-4D0A-41BA-BC20-33E2BD468B4B}" destId="{83C16676-BD7F-4649-8D76-9011206D0969}" srcOrd="1" destOrd="0" presId="urn:microsoft.com/office/officeart/2005/8/layout/orgChart1"/>
+    <dgm:cxn modelId="{E785836A-6C6C-4074-B2CD-3D4197F46A7E}" type="presOf" srcId="{AE620CE3-B847-4D98-9A69-C7C249276747}" destId="{7C742332-ABC1-414E-B48E-8638C7457C6C}" srcOrd="0" destOrd="0" presId="urn:microsoft.com/office/officeart/2005/8/layout/orgChart1"/>
     <dgm:cxn modelId="{80D4F06D-E0D7-7548-A699-5A8F64F5F3A4}" type="presOf" srcId="{6ECA32B9-7FD5-834E-B991-B3091FF79A76}" destId="{C4011A65-3B5C-8149-9B3D-AA47951D2E7A}" srcOrd="0" destOrd="0" presId="urn:microsoft.com/office/officeart/2005/8/layout/orgChart1"/>
     <dgm:cxn modelId="{9B7E074E-DB17-4E6A-9DC7-420C724D3B35}" type="presOf" srcId="{2F89D60E-F8F9-1E43-8233-433851108BA1}" destId="{B44923CF-419D-EF4B-804D-93607F5FE1A2}" srcOrd="0" destOrd="0" presId="urn:microsoft.com/office/officeart/2005/8/layout/orgChart1"/>
     <dgm:cxn modelId="{5678414F-1A46-BC48-BDFB-3FD72415B627}" type="presOf" srcId="{05B60403-3F99-D245-B48A-513CB5B82834}" destId="{5140AAE6-1BDF-A246-9CE7-6C238B82FE3E}" srcOrd="0" destOrd="0" presId="urn:microsoft.com/office/officeart/2005/8/layout/orgChart1"/>
+    <dgm:cxn modelId="{56B09052-2D25-4946-9F69-28CA811C8F11}" type="presOf" srcId="{B22DE544-4D0A-41BA-BC20-33E2BD468B4B}" destId="{DB2CE594-7ADF-432A-B795-ABA7CF93006D}" srcOrd="0" destOrd="0" presId="urn:microsoft.com/office/officeart/2005/8/layout/orgChart1"/>
     <dgm:cxn modelId="{74FB1778-D86A-0D40-8241-1825006FB0BB}" type="presOf" srcId="{6ECA32B9-7FD5-834E-B991-B3091FF79A76}" destId="{53FEF0E2-B3EF-6D41-A769-7D308C8E6772}" srcOrd="1" destOrd="0" presId="urn:microsoft.com/office/officeart/2005/8/layout/orgChart1"/>
     <dgm:cxn modelId="{10DEE959-9AC3-4749-9B8F-7AE2E239A8CF}" type="presOf" srcId="{6BEEC8F0-6EC4-7241-A835-A858DBA16E51}" destId="{966D5D4B-B22F-7549-B1EC-2D8010F15B5B}" srcOrd="1" destOrd="0" presId="urn:microsoft.com/office/officeart/2005/8/layout/orgChart1"/>
     <dgm:cxn modelId="{D37A6492-A4EF-2145-945A-159DB6018AF1}" srcId="{6BEEC8F0-6EC4-7241-A835-A858DBA16E51}" destId="{D33313D7-7914-5547-AD23-C997CEFF1CDF}" srcOrd="0" destOrd="0" parTransId="{2F89D60E-F8F9-1E43-8233-433851108BA1}" sibTransId="{1880F0B2-5C6B-0446-8B68-E9CFBF807BFD}"/>
     <dgm:cxn modelId="{2FB21EA2-9776-6146-A508-918A7B885F76}" srcId="{36DE9F1F-1073-3248-A079-F4273E1C002B}" destId="{378B0F99-9E1D-104F-AE1C-69533BAEAE28}" srcOrd="0" destOrd="0" parTransId="{2C8B18BC-3F01-7F4F-878D-00B2651B79A4}" sibTransId="{7DC0D1C4-937E-2346-856C-9D16E564B3AE}"/>
     <dgm:cxn modelId="{212BA0BE-5771-6542-BABC-67B83B439992}" type="presOf" srcId="{AEEB4CB0-55A6-7E4F-8549-91E47E641BFF}" destId="{3B34B47E-343B-7A4A-89F5-414C16BDC8E8}" srcOrd="0" destOrd="0" presId="urn:microsoft.com/office/officeart/2005/8/layout/orgChart1"/>
     <dgm:cxn modelId="{F7D4CACB-AEB9-E54C-A20A-76A2684BDA2C}" srcId="{6ECA32B9-7FD5-834E-B991-B3091FF79A76}" destId="{6BEEC8F0-6EC4-7241-A835-A858DBA16E51}" srcOrd="0" destOrd="0" parTransId="{05B60403-3F99-D245-B48A-513CB5B82834}" sibTransId="{4BE8C0F8-F92F-A642-83ED-3D808A9EAB57}"/>
+    <dgm:cxn modelId="{029264CD-7C29-4CD7-ACDC-E705DC20C2C7}" srcId="{6BEEC8F0-6EC4-7241-A835-A858DBA16E51}" destId="{B22DE544-4D0A-41BA-BC20-33E2BD468B4B}" srcOrd="1" destOrd="0" parTransId="{AE620CE3-B847-4D98-9A69-C7C249276747}" sibTransId="{52DA98C7-3E80-4204-A5E2-26F65C89B072}"/>
     <dgm:cxn modelId="{BF4D86EA-80B1-724B-81CD-D1B1C35EC780}" type="presOf" srcId="{36DE9F1F-1073-3248-A079-F4273E1C002B}" destId="{7121C481-37B0-A443-8768-FEB4F64AB314}" srcOrd="0" destOrd="0" presId="urn:microsoft.com/office/officeart/2005/8/layout/orgChart1"/>
     <dgm:cxn modelId="{9106F5F9-53C9-4060-9214-40EBC1165362}" type="presOf" srcId="{D33313D7-7914-5547-AD23-C997CEFF1CDF}" destId="{0E745B06-DC28-E749-8984-7C84D858976B}" srcOrd="0" destOrd="0" presId="urn:microsoft.com/office/officeart/2005/8/layout/orgChart1"/>
     <dgm:cxn modelId="{7C40F197-9D24-BA4D-AB49-B5378A919A28}" type="presParOf" srcId="{7121C481-37B0-A443-8768-FEB4F64AB314}" destId="{3FAFE409-A6F0-A346-94A0-32B14F69C428}" srcOrd="0" destOrd="0" presId="urn:microsoft.com/office/officeart/2005/8/layout/orgChart1"/>
@@ -1350,6 +1420,13 @@
     <dgm:cxn modelId="{355E8223-BB38-4DF1-B8EA-6B19F7982D81}" type="presParOf" srcId="{EDABF837-9CF2-C745-B651-CC139CDA0BCF}" destId="{46D9520A-0B82-964E-B8BD-6591C4957457}" srcOrd="1" destOrd="0" presId="urn:microsoft.com/office/officeart/2005/8/layout/orgChart1"/>
     <dgm:cxn modelId="{E2D0739E-2099-4BF0-BCEA-53F9C79925F5}" type="presParOf" srcId="{E116C15C-30EA-B24B-80B3-068880B1295B}" destId="{44A0D129-BD7C-AE40-B38F-F338622ED1CA}" srcOrd="1" destOrd="0" presId="urn:microsoft.com/office/officeart/2005/8/layout/orgChart1"/>
     <dgm:cxn modelId="{6617CCBC-6A0F-44FD-B73B-12DB0D7557FC}" type="presParOf" srcId="{E116C15C-30EA-B24B-80B3-068880B1295B}" destId="{B88F5201-DE21-284A-AB3A-757E4124E81B}" srcOrd="2" destOrd="0" presId="urn:microsoft.com/office/officeart/2005/8/layout/orgChart1"/>
+    <dgm:cxn modelId="{65F5EC5D-71CE-43A7-B109-C52D63AFBD58}" type="presParOf" srcId="{1D47D70E-D18A-AE40-ADEC-EAD4BC619440}" destId="{7C742332-ABC1-414E-B48E-8638C7457C6C}" srcOrd="2" destOrd="0" presId="urn:microsoft.com/office/officeart/2005/8/layout/orgChart1"/>
+    <dgm:cxn modelId="{0F9C29D0-BBC0-4C0C-AC8E-8C41272A4A38}" type="presParOf" srcId="{1D47D70E-D18A-AE40-ADEC-EAD4BC619440}" destId="{AB84B852-AEFC-4FBC-B36B-1141DE354ADA}" srcOrd="3" destOrd="0" presId="urn:microsoft.com/office/officeart/2005/8/layout/orgChart1"/>
+    <dgm:cxn modelId="{9F4F5EED-A6EE-49AD-A3E7-602196484D1F}" type="presParOf" srcId="{AB84B852-AEFC-4FBC-B36B-1141DE354ADA}" destId="{D0AF2009-37AE-4447-92B0-108BB72A7070}" srcOrd="0" destOrd="0" presId="urn:microsoft.com/office/officeart/2005/8/layout/orgChart1"/>
+    <dgm:cxn modelId="{1DBECDCD-D25E-434A-ADCE-257B9A64C258}" type="presParOf" srcId="{D0AF2009-37AE-4447-92B0-108BB72A7070}" destId="{DB2CE594-7ADF-432A-B795-ABA7CF93006D}" srcOrd="0" destOrd="0" presId="urn:microsoft.com/office/officeart/2005/8/layout/orgChart1"/>
+    <dgm:cxn modelId="{80E03302-59A7-43BD-8E7A-D9ADEAD4F6D3}" type="presParOf" srcId="{D0AF2009-37AE-4447-92B0-108BB72A7070}" destId="{83C16676-BD7F-4649-8D76-9011206D0969}" srcOrd="1" destOrd="0" presId="urn:microsoft.com/office/officeart/2005/8/layout/orgChart1"/>
+    <dgm:cxn modelId="{D90BDFE3-035E-49FC-8749-7C9DCEB144FE}" type="presParOf" srcId="{AB84B852-AEFC-4FBC-B36B-1141DE354ADA}" destId="{A8B1C5D9-54E0-4413-B22F-5455605AF5E1}" srcOrd="1" destOrd="0" presId="urn:microsoft.com/office/officeart/2005/8/layout/orgChart1"/>
+    <dgm:cxn modelId="{1D00F417-D8AC-4B5B-A1C3-7F814D20B3D6}" type="presParOf" srcId="{AB84B852-AEFC-4FBC-B36B-1141DE354ADA}" destId="{915469A0-2A0B-4698-9588-D083FD0D986A}" srcOrd="2" destOrd="0" presId="urn:microsoft.com/office/officeart/2005/8/layout/orgChart1"/>
     <dgm:cxn modelId="{ACCA16C9-F0D7-F246-A803-2B89C45BF20C}" type="presParOf" srcId="{CA0514EA-F100-D547-8AB6-78CA363DA9A5}" destId="{EE82B0E4-0FD0-1749-AC7B-285D95D3AB0A}" srcOrd="2" destOrd="0" presId="urn:microsoft.com/office/officeart/2005/8/layout/orgChart1"/>
     <dgm:cxn modelId="{012C6956-7406-4A48-81F9-20A7B86682AD}" type="presParOf" srcId="{6974098A-9A70-F145-849A-EABD180297C6}" destId="{874D687F-36BE-C344-BC65-4D5794B6F6FB}" srcOrd="2" destOrd="0" presId="urn:microsoft.com/office/officeart/2005/8/layout/orgChart1"/>
     <dgm:cxn modelId="{DC7B4DEF-5673-7342-83BB-DE224A8FA96F}" type="presParOf" srcId="{3FAFE409-A6F0-A346-94A0-32B14F69C428}" destId="{32272F7F-C98B-964E-B345-083B10FFDF83}" srcOrd="2" destOrd="0" presId="urn:microsoft.com/office/officeart/2005/8/layout/orgChart1"/>
@@ -1372,15 +1449,15 @@
       <dsp:cNvGrpSpPr/>
     </dsp:nvGrpSpPr>
     <dsp:grpSpPr/>
-    <dsp:sp modelId="{B44923CF-419D-EF4B-804D-93607F5FE1A2}">
+    <dsp:sp modelId="{7C742332-ABC1-414E-B48E-8638C7457C6C}">
       <dsp:nvSpPr>
         <dsp:cNvPr id="0" name=""/>
         <dsp:cNvSpPr/>
       </dsp:nvSpPr>
       <dsp:spPr>
         <a:xfrm>
-          <a:off x="1804611" y="4668707"/>
-          <a:ext cx="393656" cy="1006494"/>
+          <a:off x="2635894" y="3657484"/>
+          <a:ext cx="2573422" cy="977142"/>
         </a:xfrm>
         <a:custGeom>
           <a:avLst/>
@@ -1391,10 +1468,78 @@
           <a:pathLst>
             <a:path>
               <a:moveTo>
-                <a:pt x="393656" y="0"/>
+                <a:pt x="0" y="0"/>
               </a:moveTo>
               <a:lnTo>
-                <a:pt x="0" y="1006494"/>
+                <a:pt x="0" y="977142"/>
+              </a:lnTo>
+              <a:lnTo>
+                <a:pt x="2573422" y="977142"/>
+              </a:lnTo>
+            </a:path>
+          </a:pathLst>
+        </a:custGeom>
+        <a:noFill/>
+        <a:ln w="12700" cap="flat" cmpd="sng" algn="ctr">
+          <a:solidFill>
+            <a:schemeClr val="dk1">
+              <a:shade val="80000"/>
+              <a:hueOff val="0"/>
+              <a:satOff val="0"/>
+              <a:lumOff val="0"/>
+              <a:alphaOff val="0"/>
+            </a:schemeClr>
+          </a:solidFill>
+          <a:prstDash val="solid"/>
+          <a:miter lim="800000"/>
+        </a:ln>
+        <a:effectLst/>
+        <a:scene3d>
+          <a:camera prst="orthographicFront">
+            <a:rot lat="0" lon="0" rev="0"/>
+          </a:camera>
+          <a:lightRig rig="contrasting" dir="t">
+            <a:rot lat="0" lon="0" rev="1200000"/>
+          </a:lightRig>
+        </a:scene3d>
+        <a:sp3d z="-110000"/>
+      </dsp:spPr>
+      <dsp:style>
+        <a:lnRef idx="2">
+          <a:scrgbClr r="0" g="0" b="0"/>
+        </a:lnRef>
+        <a:fillRef idx="0">
+          <a:scrgbClr r="0" g="0" b="0"/>
+        </a:fillRef>
+        <a:effectRef idx="0">
+          <a:scrgbClr r="0" g="0" b="0"/>
+        </a:effectRef>
+        <a:fontRef idx="minor"/>
+      </dsp:style>
+    </dsp:sp>
+    <dsp:sp modelId="{B44923CF-419D-EF4B-804D-93607F5FE1A2}">
+      <dsp:nvSpPr>
+        <dsp:cNvPr id="0" name=""/>
+        <dsp:cNvSpPr/>
+      </dsp:nvSpPr>
+      <dsp:spPr>
+        <a:xfrm>
+          <a:off x="2635894" y="3657484"/>
+          <a:ext cx="1296088" cy="1274742"/>
+        </a:xfrm>
+        <a:custGeom>
+          <a:avLst/>
+          <a:gdLst/>
+          <a:ahLst/>
+          <a:cxnLst/>
+          <a:rect l="0" t="0" r="0" b="0"/>
+          <a:pathLst>
+            <a:path>
+              <a:moveTo>
+                <a:pt x="0" y="0"/>
+              </a:moveTo>
+              <a:lnTo>
+                <a:pt x="1296088" y="1274742"/>
               </a:lnTo>
             </a:path>
           </a:pathLst>
@@ -1444,8 +1589,8 @@
       </dsp:nvSpPr>
       <dsp:spPr>
         <a:xfrm>
-          <a:off x="3685327" y="2922177"/>
-          <a:ext cx="91440" cy="476287"/>
+          <a:off x="3790954" y="2289250"/>
+          <a:ext cx="91440" cy="373123"/>
         </a:xfrm>
         <a:custGeom>
           <a:avLst/>
@@ -1459,7 +1604,7 @@
                 <a:pt x="45720" y="0"/>
               </a:moveTo>
               <a:lnTo>
-                <a:pt x="45720" y="476287"/>
+                <a:pt x="45720" y="373123"/>
               </a:lnTo>
             </a:path>
           </a:pathLst>
@@ -1509,8 +1654,8 @@
       </dsp:nvSpPr>
       <dsp:spPr>
         <a:xfrm>
-          <a:off x="3685327" y="1344505"/>
-          <a:ext cx="91440" cy="461811"/>
+          <a:off x="3790954" y="1053301"/>
+          <a:ext cx="91440" cy="361783"/>
         </a:xfrm>
         <a:custGeom>
           <a:avLst/>
@@ -1524,7 +1669,7 @@
                 <a:pt x="45720" y="0"/>
               </a:moveTo>
               <a:lnTo>
-                <a:pt x="45720" y="461811"/>
+                <a:pt x="45720" y="361783"/>
               </a:lnTo>
             </a:path>
           </a:pathLst>
@@ -1574,8 +1719,8 @@
       </dsp:nvSpPr>
       <dsp:spPr>
         <a:xfrm>
-          <a:off x="2175164" y="72506"/>
-          <a:ext cx="3111766" cy="1271998"/>
+          <a:off x="2617794" y="56816"/>
+          <a:ext cx="2437760" cy="996484"/>
         </a:xfrm>
         <a:prstGeom prst="rect">
           <a:avLst/>
@@ -1636,13 +1781,13 @@
           </a:pPr>
           <a:r>
             <a:rPr lang="en-US" sz="2000" kern="1200" dirty="0"/>
-            <a:t>0/3290 schools geolocated</a:t>
+            <a:t>Began with 3290 school addresses from SEGEY (need to be geolocated)</a:t>
           </a:r>
         </a:p>
       </dsp:txBody>
       <dsp:txXfrm>
-        <a:off x="2175164" y="72506"/>
-        <a:ext cx="3111766" cy="1271998"/>
+        <a:off x="2617794" y="56816"/>
+        <a:ext cx="2437760" cy="996484"/>
       </dsp:txXfrm>
     </dsp:sp>
     <dsp:sp modelId="{C4011A65-3B5C-8149-9B3D-AA47951D2E7A}">
@@ -1652,8 +1797,8 @@
       </dsp:nvSpPr>
       <dsp:spPr>
         <a:xfrm>
-          <a:off x="1798219" y="1806316"/>
-          <a:ext cx="3865654" cy="1115860"/>
+          <a:off x="2322495" y="1415084"/>
+          <a:ext cx="3028356" cy="874166"/>
         </a:xfrm>
         <a:prstGeom prst="rect">
           <a:avLst/>
@@ -1715,24 +1860,6 @@
           </a:pPr>
           <a:r>
             <a:rPr lang="en-US" sz="2000" kern="1200" dirty="0"/>
-            <a:t>1. </a:t>
-          </a:r>
-        </a:p>
-        <a:p>
-          <a:pPr marL="0" lvl="0" indent="0" algn="ctr" defTabSz="889000">
-            <a:lnSpc>
-              <a:spcPct val="90000"/>
-            </a:lnSpc>
-            <a:spcBef>
-              <a:spcPct val="0"/>
-            </a:spcBef>
-            <a:spcAft>
-              <a:spcPct val="35000"/>
-            </a:spcAft>
-            <a:buNone/>
-          </a:pPr>
-          <a:r>
-            <a:rPr lang="en-US" sz="2000" kern="1200" dirty="0"/>
             <a:t>1374/3290 (41.8%) schools geolocated with </a:t>
           </a:r>
           <a:r>
@@ -1742,8 +1869,8 @@
         </a:p>
       </dsp:txBody>
       <dsp:txXfrm>
-        <a:off x="1798219" y="1806316"/>
-        <a:ext cx="3865654" cy="1115860"/>
+        <a:off x="2322495" y="1415084"/>
+        <a:ext cx="3028356" cy="874166"/>
       </dsp:txXfrm>
     </dsp:sp>
     <dsp:sp modelId="{8D4023A2-8654-1147-9B11-72835FFAB1A6}">
@@ -1753,8 +1880,8 @@
       </dsp:nvSpPr>
       <dsp:spPr>
         <a:xfrm>
-          <a:off x="1815073" y="3398464"/>
-          <a:ext cx="3831946" cy="1270243"/>
+          <a:off x="2335699" y="2662374"/>
+          <a:ext cx="3001949" cy="995109"/>
         </a:xfrm>
         <a:prstGeom prst="rect">
           <a:avLst/>
@@ -1814,10 +1941,7 @@
             </a:spcAft>
             <a:buNone/>
           </a:pPr>
-          <a:r>
-            <a:rPr lang="en-US" sz="2000" kern="1200" dirty="0"/>
-            <a:t>2. </a:t>
-          </a:r>
+          <a:endParaRPr lang="en-US" sz="2000" kern="1200" dirty="0"/>
         </a:p>
         <a:p>
           <a:pPr marL="0" lvl="0" indent="0" algn="ctr" defTabSz="889000">
@@ -1851,8 +1975,8 @@
         </a:p>
       </dsp:txBody>
       <dsp:txXfrm>
-        <a:off x="1815073" y="3398464"/>
-        <a:ext cx="3831946" cy="1270243"/>
+        <a:off x="2335699" y="2662374"/>
+        <a:ext cx="3001949" cy="995109"/>
       </dsp:txXfrm>
     </dsp:sp>
     <dsp:sp modelId="{0E745B06-DC28-E749-8984-7C84D858976B}">
@@ -1862,8 +1986,8 @@
       </dsp:nvSpPr>
       <dsp:spPr>
         <a:xfrm>
-          <a:off x="1804611" y="5039202"/>
-          <a:ext cx="3866137" cy="1271998"/>
+          <a:off x="903247" y="4433984"/>
+          <a:ext cx="3028735" cy="996484"/>
         </a:xfrm>
         <a:prstGeom prst="rect">
           <a:avLst/>
@@ -1957,8 +2081,86 @@
         </a:p>
       </dsp:txBody>
       <dsp:txXfrm>
-        <a:off x="1804611" y="5039202"/>
-        <a:ext cx="3866137" cy="1271998"/>
+        <a:off x="903247" y="4433984"/>
+        <a:ext cx="3028735" cy="996484"/>
+      </dsp:txXfrm>
+    </dsp:sp>
+    <dsp:sp modelId="{DB2CE594-7ADF-432A-B795-ABA7CF93006D}">
+      <dsp:nvSpPr>
+        <dsp:cNvPr id="0" name=""/>
+        <dsp:cNvSpPr/>
+      </dsp:nvSpPr>
+      <dsp:spPr>
+        <a:xfrm>
+          <a:off x="5209316" y="4136384"/>
+          <a:ext cx="1992969" cy="996484"/>
+        </a:xfrm>
+        <a:prstGeom prst="rect">
+          <a:avLst/>
+        </a:prstGeom>
+        <a:solidFill>
+          <a:schemeClr val="lt1">
+            <a:hueOff val="0"/>
+            <a:satOff val="0"/>
+            <a:lumOff val="0"/>
+            <a:alphaOff val="0"/>
+          </a:schemeClr>
+        </a:solidFill>
+        <a:ln>
+          <a:noFill/>
+        </a:ln>
+        <a:effectLst/>
+        <a:scene3d>
+          <a:camera prst="orthographicFront">
+            <a:rot lat="0" lon="0" rev="0"/>
+          </a:camera>
+          <a:lightRig rig="contrasting" dir="t">
+            <a:rot lat="0" lon="0" rev="1200000"/>
+          </a:lightRig>
+        </a:scene3d>
+        <a:sp3d contourW="19050" prstMaterial="metal">
+          <a:bevelT w="88900" h="203200"/>
+          <a:bevelB w="165100" h="254000"/>
+        </a:sp3d>
+      </dsp:spPr>
+      <dsp:style>
+        <a:lnRef idx="0">
+          <a:scrgbClr r="0" g="0" b="0"/>
+        </a:lnRef>
+        <a:fillRef idx="1">
+          <a:scrgbClr r="0" g="0" b="0"/>
+        </a:fillRef>
+        <a:effectRef idx="1">
+          <a:scrgbClr r="0" g="0" b="0"/>
+        </a:effectRef>
+        <a:fontRef idx="minor">
+          <a:schemeClr val="lt1"/>
+        </a:fontRef>
+      </dsp:style>
+      <dsp:txBody>
+        <a:bodyPr spcFirstLastPara="0" vert="horz" wrap="square" lIns="41275" tIns="41275" rIns="41275" bIns="41275" numCol="1" spcCol="1270" anchor="ctr" anchorCtr="0">
+          <a:noAutofit/>
+        </a:bodyPr>
+        <a:lstStyle/>
+        <a:p>
+          <a:pPr marL="0" lvl="0" indent="0" algn="ctr" defTabSz="2889250">
+            <a:lnSpc>
+              <a:spcPct val="90000"/>
+            </a:lnSpc>
+            <a:spcBef>
+              <a:spcPct val="0"/>
+            </a:spcBef>
+            <a:spcAft>
+              <a:spcPct val="35000"/>
+            </a:spcAft>
+            <a:buNone/>
+          </a:pPr>
+          <a:endParaRPr lang="en-US" sz="6500" kern="1200"/>
+        </a:p>
+      </dsp:txBody>
+      <dsp:txXfrm>
+        <a:off x="5209316" y="4136384"/>
+        <a:ext cx="1992969" cy="996484"/>
       </dsp:txXfrm>
     </dsp:sp>
   </dsp:spTree>
@@ -4588,7 +4790,7 @@
           <a:p>
             <a:fld id="{7CCC5123-71FE-4167-A544-D39B79C807E3}" type="datetimeFigureOut">
               <a:rPr lang="en-US" smtClean="0"/>
-              <a:t>6/13/2018</a:t>
+              <a:t>6/17/2018</a:t>
             </a:fld>
             <a:endParaRPr lang="en-US"/>
           </a:p>
@@ -4786,7 +4988,7 @@
           <a:p>
             <a:fld id="{7CCC5123-71FE-4167-A544-D39B79C807E3}" type="datetimeFigureOut">
               <a:rPr lang="en-US" smtClean="0"/>
-              <a:t>6/13/2018</a:t>
+              <a:t>6/17/2018</a:t>
             </a:fld>
             <a:endParaRPr lang="en-US"/>
           </a:p>
@@ -4994,7 +5196,7 @@
           <a:p>
             <a:fld id="{7CCC5123-71FE-4167-A544-D39B79C807E3}" type="datetimeFigureOut">
               <a:rPr lang="en-US" smtClean="0"/>
-              <a:t>6/13/2018</a:t>
+              <a:t>6/17/2018</a:t>
             </a:fld>
             <a:endParaRPr lang="en-US"/>
           </a:p>
@@ -5192,7 +5394,7 @@
           <a:p>
             <a:fld id="{7CCC5123-71FE-4167-A544-D39B79C807E3}" type="datetimeFigureOut">
               <a:rPr lang="en-US" smtClean="0"/>
-              <a:t>6/13/2018</a:t>
+              <a:t>6/17/2018</a:t>
             </a:fld>
             <a:endParaRPr lang="en-US"/>
           </a:p>
@@ -5467,7 +5669,7 @@
           <a:p>
             <a:fld id="{7CCC5123-71FE-4167-A544-D39B79C807E3}" type="datetimeFigureOut">
               <a:rPr lang="en-US" smtClean="0"/>
-              <a:t>6/13/2018</a:t>
+              <a:t>6/17/2018</a:t>
             </a:fld>
             <a:endParaRPr lang="en-US"/>
           </a:p>
@@ -5732,7 +5934,7 @@
           <a:p>
             <a:fld id="{7CCC5123-71FE-4167-A544-D39B79C807E3}" type="datetimeFigureOut">
               <a:rPr lang="en-US" smtClean="0"/>
-              <a:t>6/13/2018</a:t>
+              <a:t>6/17/2018</a:t>
             </a:fld>
             <a:endParaRPr lang="en-US"/>
           </a:p>
@@ -6144,7 +6346,7 @@
           <a:p>
             <a:fld id="{7CCC5123-71FE-4167-A544-D39B79C807E3}" type="datetimeFigureOut">
               <a:rPr lang="en-US" smtClean="0"/>
-              <a:t>6/13/2018</a:t>
+              <a:t>6/17/2018</a:t>
             </a:fld>
             <a:endParaRPr lang="en-US"/>
           </a:p>
@@ -6285,7 +6487,7 @@
           <a:p>
             <a:fld id="{7CCC5123-71FE-4167-A544-D39B79C807E3}" type="datetimeFigureOut">
               <a:rPr lang="en-US" smtClean="0"/>
-              <a:t>6/13/2018</a:t>
+              <a:t>6/17/2018</a:t>
             </a:fld>
             <a:endParaRPr lang="en-US"/>
           </a:p>
@@ -6398,7 +6600,7 @@
           <a:p>
             <a:fld id="{7CCC5123-71FE-4167-A544-D39B79C807E3}" type="datetimeFigureOut">
               <a:rPr lang="en-US" smtClean="0"/>
-              <a:t>6/13/2018</a:t>
+              <a:t>6/17/2018</a:t>
             </a:fld>
             <a:endParaRPr lang="en-US"/>
           </a:p>
@@ -6709,7 +6911,7 @@
           <a:p>
             <a:fld id="{7CCC5123-71FE-4167-A544-D39B79C807E3}" type="datetimeFigureOut">
               <a:rPr lang="en-US" smtClean="0"/>
-              <a:t>6/13/2018</a:t>
+              <a:t>6/17/2018</a:t>
             </a:fld>
             <a:endParaRPr lang="en-US"/>
           </a:p>
@@ -6997,7 +7199,7 @@
           <a:p>
             <a:fld id="{7CCC5123-71FE-4167-A544-D39B79C807E3}" type="datetimeFigureOut">
               <a:rPr lang="en-US" smtClean="0"/>
-              <a:t>6/13/2018</a:t>
+              <a:t>6/17/2018</a:t>
             </a:fld>
             <a:endParaRPr lang="en-US"/>
           </a:p>
@@ -7238,7 +7440,7 @@
           <a:p>
             <a:fld id="{7CCC5123-71FE-4167-A544-D39B79C807E3}" type="datetimeFigureOut">
               <a:rPr lang="en-US" smtClean="0"/>
-              <a:t>6/13/2018</a:t>
+              <a:t>6/17/2018</a:t>
             </a:fld>
             <a:endParaRPr lang="en-US"/>
           </a:p>
@@ -7748,7 +7950,7 @@
           <p:nvPr>
             <p:extLst>
               <p:ext uri="{D42A27DB-BD31-4B8C-83A1-F6EECF244321}">
-                <p14:modId xmlns:p14="http://schemas.microsoft.com/office/powerpoint/2010/main" val="1833460776"/>
+                <p14:modId xmlns:p14="http://schemas.microsoft.com/office/powerpoint/2010/main" val="438329211"/>
               </p:ext>
             </p:extLst>
           </p:nvPr>
@@ -7885,7 +8087,7 @@
         </p:nvSpPr>
         <p:spPr>
           <a:xfrm>
-            <a:off x="3200400" y="4862944"/>
+            <a:off x="3449780" y="1510143"/>
             <a:ext cx="374073" cy="277091"/>
           </a:xfrm>
           <a:prstGeom prst="rect">
@@ -7905,12 +8107,987 @@
           </a:p>
         </p:txBody>
       </p:sp>
+    </p:spTree>
+    <p:extLst>
+      <p:ext uri="{BB962C8B-B14F-4D97-AF65-F5344CB8AC3E}">
+        <p14:creationId xmlns:p14="http://schemas.microsoft.com/office/powerpoint/2010/main" val="4097837493"/>
+      </p:ext>
+    </p:extLst>
+  </p:cSld>
+  <p:clrMapOvr>
+    <a:masterClrMapping/>
+  </p:clrMapOvr>
+</p:sld>
+</file>
+
+<file path=ppt/slides/slide3.xml><?xml version="1.0" encoding="utf-8"?>
+<p:sld xmlns:a="http://schemas.openxmlformats.org/drawingml/2006/main" xmlns:r="http://schemas.openxmlformats.org/officeDocument/2006/relationships" xmlns:p="http://schemas.openxmlformats.org/presentationml/2006/main">
+  <p:cSld>
+    <p:spTree>
+      <p:nvGrpSpPr>
+        <p:cNvPr id="1" name=""/>
+        <p:cNvGrpSpPr/>
+        <p:nvPr/>
+      </p:nvGrpSpPr>
+      <p:grpSpPr>
+        <a:xfrm>
+          <a:off x="0" y="0"/>
+          <a:ext cx="0" cy="0"/>
+          <a:chOff x="0" y="0"/>
+          <a:chExt cx="0" cy="0"/>
+        </a:xfrm>
+      </p:grpSpPr>
+      <p:grpSp>
+        <p:nvGrpSpPr>
+          <p:cNvPr id="4" name="Group 3">
+            <a:extLst>
+              <a:ext uri="{FF2B5EF4-FFF2-40B4-BE49-F238E27FC236}">
+                <a16:creationId xmlns:a16="http://schemas.microsoft.com/office/drawing/2014/main" id="{EEF89FC5-9C71-4503-A384-FC81CD5677D7}"/>
+              </a:ext>
+            </a:extLst>
+          </p:cNvPr>
+          <p:cNvGrpSpPr/>
+          <p:nvPr/>
+        </p:nvGrpSpPr>
+        <p:grpSpPr>
+          <a:xfrm>
+            <a:off x="4586963" y="245479"/>
+            <a:ext cx="3028355" cy="1516551"/>
+            <a:chOff x="2617794" y="56816"/>
+            <a:chExt cx="2437760" cy="996484"/>
+          </a:xfrm>
+          <a:scene3d>
+            <a:camera prst="orthographicFront">
+              <a:rot lat="0" lon="0" rev="0"/>
+            </a:camera>
+            <a:lightRig rig="contrasting" dir="t">
+              <a:rot lat="0" lon="0" rev="1200000"/>
+            </a:lightRig>
+          </a:scene3d>
+        </p:grpSpPr>
+        <p:sp>
+          <p:nvSpPr>
+            <p:cNvPr id="5" name="Rectangle 4">
+              <a:extLst>
+                <a:ext uri="{FF2B5EF4-FFF2-40B4-BE49-F238E27FC236}">
+                  <a16:creationId xmlns:a16="http://schemas.microsoft.com/office/drawing/2014/main" id="{DB1F5444-1A9A-466F-868C-DECA5B589C11}"/>
+                </a:ext>
+              </a:extLst>
+            </p:cNvPr>
+            <p:cNvSpPr/>
+            <p:nvPr/>
+          </p:nvSpPr>
+          <p:spPr>
+            <a:xfrm>
+              <a:off x="2617794" y="56816"/>
+              <a:ext cx="2437760" cy="996484"/>
+            </a:xfrm>
+            <a:prstGeom prst="rect">
+              <a:avLst/>
+            </a:prstGeom>
+            <a:solidFill>
+              <a:schemeClr val="bg1">
+                <a:lumMod val="75000"/>
+              </a:schemeClr>
+            </a:solidFill>
+            <a:sp3d contourW="19050" prstMaterial="metal">
+              <a:bevelT w="88900" h="203200"/>
+              <a:bevelB w="165100" h="254000"/>
+            </a:sp3d>
+          </p:spPr>
+          <p:style>
+            <a:lnRef idx="0">
+              <a:schemeClr val="dk1">
+                <a:shade val="80000"/>
+                <a:hueOff val="0"/>
+                <a:satOff val="0"/>
+                <a:lumOff val="0"/>
+                <a:alphaOff val="0"/>
+              </a:schemeClr>
+            </a:lnRef>
+            <a:fillRef idx="1">
+              <a:scrgbClr r="0" g="0" b="0"/>
+            </a:fillRef>
+            <a:effectRef idx="1">
+              <a:schemeClr val="lt1">
+                <a:hueOff val="0"/>
+                <a:satOff val="0"/>
+                <a:lumOff val="0"/>
+                <a:alphaOff val="0"/>
+              </a:schemeClr>
+            </a:effectRef>
+            <a:fontRef idx="minor">
+              <a:schemeClr val="dk1">
+                <a:hueOff val="0"/>
+                <a:satOff val="0"/>
+                <a:lumOff val="0"/>
+                <a:alphaOff val="0"/>
+              </a:schemeClr>
+            </a:fontRef>
+          </p:style>
+        </p:sp>
+        <p:sp>
+          <p:nvSpPr>
+            <p:cNvPr id="6" name="TextBox 5">
+              <a:extLst>
+                <a:ext uri="{FF2B5EF4-FFF2-40B4-BE49-F238E27FC236}">
+                  <a16:creationId xmlns:a16="http://schemas.microsoft.com/office/drawing/2014/main" id="{15482358-1B7D-41C3-B77A-8B5AB0012E59}"/>
+                </a:ext>
+              </a:extLst>
+            </p:cNvPr>
+            <p:cNvSpPr txBox="1"/>
+            <p:nvPr/>
+          </p:nvSpPr>
+          <p:spPr>
+            <a:xfrm>
+              <a:off x="2617794" y="56816"/>
+              <a:ext cx="2437760" cy="996484"/>
+            </a:xfrm>
+            <a:prstGeom prst="rect">
+              <a:avLst/>
+            </a:prstGeom>
+            <a:sp3d/>
+          </p:spPr>
+          <p:style>
+            <a:lnRef idx="0">
+              <a:scrgbClr r="0" g="0" b="0"/>
+            </a:lnRef>
+            <a:fillRef idx="0">
+              <a:scrgbClr r="0" g="0" b="0"/>
+            </a:fillRef>
+            <a:effectRef idx="0">
+              <a:scrgbClr r="0" g="0" b="0"/>
+            </a:effectRef>
+            <a:fontRef idx="minor">
+              <a:schemeClr val="dk1">
+                <a:hueOff val="0"/>
+                <a:satOff val="0"/>
+                <a:lumOff val="0"/>
+                <a:alphaOff val="0"/>
+              </a:schemeClr>
+            </a:fontRef>
+          </p:style>
+          <p:txBody>
+            <a:bodyPr spcFirstLastPara="0" vert="horz" wrap="square" lIns="12700" tIns="12700" rIns="12700" bIns="12700" numCol="1" spcCol="1270" anchor="ctr" anchorCtr="0">
+              <a:noAutofit/>
+            </a:bodyPr>
+            <a:lstStyle/>
+            <a:p>
+              <a:pPr marL="0" lvl="0" indent="0" algn="ctr" defTabSz="889000">
+                <a:lnSpc>
+                  <a:spcPct val="90000"/>
+                </a:lnSpc>
+                <a:spcBef>
+                  <a:spcPct val="0"/>
+                </a:spcBef>
+                <a:spcAft>
+                  <a:spcPct val="35000"/>
+                </a:spcAft>
+                <a:buNone/>
+              </a:pPr>
+              <a:r>
+                <a:rPr lang="en-US" sz="2000" kern="1200" dirty="0"/>
+                <a:t>Began with </a:t>
+              </a:r>
+              <a:r>
+                <a:rPr lang="en-US" sz="2000" b="1" kern="1200" dirty="0"/>
+                <a:t>3290 school addresses </a:t>
+              </a:r>
+              <a:r>
+                <a:rPr lang="en-US" sz="2000" kern="1200" dirty="0"/>
+                <a:t>from SEGEY (need to be geolocated)</a:t>
+              </a:r>
+            </a:p>
+          </p:txBody>
+        </p:sp>
+      </p:grpSp>
+      <p:grpSp>
+        <p:nvGrpSpPr>
+          <p:cNvPr id="7" name="Group 6">
+            <a:extLst>
+              <a:ext uri="{FF2B5EF4-FFF2-40B4-BE49-F238E27FC236}">
+                <a16:creationId xmlns:a16="http://schemas.microsoft.com/office/drawing/2014/main" id="{C7913639-66E8-4FB0-A928-D21EF6723A73}"/>
+              </a:ext>
+            </a:extLst>
+          </p:cNvPr>
+          <p:cNvGrpSpPr/>
+          <p:nvPr/>
+        </p:nvGrpSpPr>
+        <p:grpSpPr>
+          <a:xfrm>
+            <a:off x="4586963" y="2147213"/>
+            <a:ext cx="3028356" cy="874166"/>
+            <a:chOff x="2322495" y="1415084"/>
+            <a:chExt cx="3028356" cy="874166"/>
+          </a:xfrm>
+          <a:scene3d>
+            <a:camera prst="orthographicFront">
+              <a:rot lat="0" lon="0" rev="0"/>
+            </a:camera>
+            <a:lightRig rig="contrasting" dir="t">
+              <a:rot lat="0" lon="0" rev="1200000"/>
+            </a:lightRig>
+          </a:scene3d>
+        </p:grpSpPr>
+        <p:sp>
+          <p:nvSpPr>
+            <p:cNvPr id="8" name="Rectangle 7">
+              <a:extLst>
+                <a:ext uri="{FF2B5EF4-FFF2-40B4-BE49-F238E27FC236}">
+                  <a16:creationId xmlns:a16="http://schemas.microsoft.com/office/drawing/2014/main" id="{E319DA1B-E32C-4F72-AA4E-B74818992700}"/>
+                </a:ext>
+              </a:extLst>
+            </p:cNvPr>
+            <p:cNvSpPr/>
+            <p:nvPr/>
+          </p:nvSpPr>
+          <p:spPr>
+            <a:xfrm>
+              <a:off x="2322495" y="1415084"/>
+              <a:ext cx="3028356" cy="874166"/>
+            </a:xfrm>
+            <a:prstGeom prst="rect">
+              <a:avLst/>
+            </a:prstGeom>
+            <a:solidFill>
+              <a:schemeClr val="accent2">
+                <a:lumMod val="40000"/>
+                <a:lumOff val="60000"/>
+              </a:schemeClr>
+            </a:solidFill>
+            <a:sp3d contourW="19050" prstMaterial="metal">
+              <a:bevelT w="88900" h="203200"/>
+              <a:bevelB w="165100" h="254000"/>
+            </a:sp3d>
+          </p:spPr>
+          <p:style>
+            <a:lnRef idx="0">
+              <a:schemeClr val="dk1">
+                <a:shade val="80000"/>
+                <a:hueOff val="0"/>
+                <a:satOff val="0"/>
+                <a:lumOff val="0"/>
+                <a:alphaOff val="0"/>
+              </a:schemeClr>
+            </a:lnRef>
+            <a:fillRef idx="1">
+              <a:scrgbClr r="0" g="0" b="0"/>
+            </a:fillRef>
+            <a:effectRef idx="1">
+              <a:schemeClr val="lt1">
+                <a:hueOff val="0"/>
+                <a:satOff val="0"/>
+                <a:lumOff val="0"/>
+                <a:alphaOff val="0"/>
+              </a:schemeClr>
+            </a:effectRef>
+            <a:fontRef idx="minor">
+              <a:schemeClr val="dk1">
+                <a:hueOff val="0"/>
+                <a:satOff val="0"/>
+                <a:lumOff val="0"/>
+                <a:alphaOff val="0"/>
+              </a:schemeClr>
+            </a:fontRef>
+          </p:style>
+        </p:sp>
+        <p:sp>
+          <p:nvSpPr>
+            <p:cNvPr id="9" name="TextBox 8">
+              <a:extLst>
+                <a:ext uri="{FF2B5EF4-FFF2-40B4-BE49-F238E27FC236}">
+                  <a16:creationId xmlns:a16="http://schemas.microsoft.com/office/drawing/2014/main" id="{CDD00B4F-12EB-47C0-88B3-810A62E69842}"/>
+                </a:ext>
+              </a:extLst>
+            </p:cNvPr>
+            <p:cNvSpPr txBox="1"/>
+            <p:nvPr/>
+          </p:nvSpPr>
+          <p:spPr>
+            <a:xfrm>
+              <a:off x="2322495" y="1415084"/>
+              <a:ext cx="3028356" cy="874166"/>
+            </a:xfrm>
+            <a:prstGeom prst="rect">
+              <a:avLst/>
+            </a:prstGeom>
+            <a:sp3d/>
+          </p:spPr>
+          <p:style>
+            <a:lnRef idx="0">
+              <a:scrgbClr r="0" g="0" b="0"/>
+            </a:lnRef>
+            <a:fillRef idx="0">
+              <a:scrgbClr r="0" g="0" b="0"/>
+            </a:fillRef>
+            <a:effectRef idx="0">
+              <a:scrgbClr r="0" g="0" b="0"/>
+            </a:effectRef>
+            <a:fontRef idx="minor">
+              <a:schemeClr val="dk1">
+                <a:hueOff val="0"/>
+                <a:satOff val="0"/>
+                <a:lumOff val="0"/>
+                <a:alphaOff val="0"/>
+              </a:schemeClr>
+            </a:fontRef>
+          </p:style>
+          <p:txBody>
+            <a:bodyPr spcFirstLastPara="0" vert="horz" wrap="square" lIns="12700" tIns="12700" rIns="12700" bIns="12700" numCol="1" spcCol="1270" anchor="ctr" anchorCtr="0">
+              <a:noAutofit/>
+            </a:bodyPr>
+            <a:lstStyle/>
+            <a:p>
+              <a:pPr marL="0" lvl="0" indent="0" algn="ctr" defTabSz="889000">
+                <a:lnSpc>
+                  <a:spcPct val="90000"/>
+                </a:lnSpc>
+                <a:spcBef>
+                  <a:spcPct val="0"/>
+                </a:spcBef>
+                <a:spcAft>
+                  <a:spcPct val="35000"/>
+                </a:spcAft>
+                <a:buNone/>
+              </a:pPr>
+              <a:r>
+                <a:rPr lang="en-US" sz="2000" kern="1200" dirty="0"/>
+                <a:t>1374/3290 (41.8%) schools geolocated with </a:t>
+              </a:r>
+              <a:r>
+                <a:rPr lang="en-US" sz="2000" b="1" kern="1200" dirty="0"/>
+                <a:t>GMAPS API</a:t>
+              </a:r>
+            </a:p>
+          </p:txBody>
+        </p:sp>
+      </p:grpSp>
+      <p:grpSp>
+        <p:nvGrpSpPr>
+          <p:cNvPr id="10" name="Group 9">
+            <a:extLst>
+              <a:ext uri="{FF2B5EF4-FFF2-40B4-BE49-F238E27FC236}">
+                <a16:creationId xmlns:a16="http://schemas.microsoft.com/office/drawing/2014/main" id="{D1CE95B0-6ED6-45E5-B9AB-6F51EA8B90C1}"/>
+              </a:ext>
+            </a:extLst>
+          </p:cNvPr>
+          <p:cNvGrpSpPr/>
+          <p:nvPr/>
+        </p:nvGrpSpPr>
+        <p:grpSpPr>
+          <a:xfrm>
+            <a:off x="2885972" y="5165542"/>
+            <a:ext cx="3001949" cy="1591552"/>
+            <a:chOff x="2335699" y="2662374"/>
+            <a:chExt cx="3001949" cy="995109"/>
+          </a:xfrm>
+          <a:scene3d>
+            <a:camera prst="orthographicFront">
+              <a:rot lat="0" lon="0" rev="0"/>
+            </a:camera>
+            <a:lightRig rig="contrasting" dir="t">
+              <a:rot lat="0" lon="0" rev="1200000"/>
+            </a:lightRig>
+          </a:scene3d>
+        </p:grpSpPr>
+        <p:sp>
+          <p:nvSpPr>
+            <p:cNvPr id="11" name="Rectangle 10">
+              <a:extLst>
+                <a:ext uri="{FF2B5EF4-FFF2-40B4-BE49-F238E27FC236}">
+                  <a16:creationId xmlns:a16="http://schemas.microsoft.com/office/drawing/2014/main" id="{CDF4F534-D23B-44EB-940F-6129C6EB62FC}"/>
+                </a:ext>
+              </a:extLst>
+            </p:cNvPr>
+            <p:cNvSpPr/>
+            <p:nvPr/>
+          </p:nvSpPr>
+          <p:spPr>
+            <a:xfrm>
+              <a:off x="2335699" y="2662374"/>
+              <a:ext cx="3001949" cy="995109"/>
+            </a:xfrm>
+            <a:prstGeom prst="rect">
+              <a:avLst/>
+            </a:prstGeom>
+            <a:solidFill>
+              <a:schemeClr val="accent6">
+                <a:lumMod val="40000"/>
+                <a:lumOff val="60000"/>
+              </a:schemeClr>
+            </a:solidFill>
+            <a:sp3d contourW="19050" prstMaterial="metal">
+              <a:bevelT w="88900" h="203200"/>
+              <a:bevelB w="165100" h="254000"/>
+            </a:sp3d>
+          </p:spPr>
+          <p:style>
+            <a:lnRef idx="0">
+              <a:schemeClr val="dk1">
+                <a:shade val="80000"/>
+                <a:hueOff val="0"/>
+                <a:satOff val="0"/>
+                <a:lumOff val="0"/>
+                <a:alphaOff val="0"/>
+              </a:schemeClr>
+            </a:lnRef>
+            <a:fillRef idx="1">
+              <a:scrgbClr r="0" g="0" b="0"/>
+            </a:fillRef>
+            <a:effectRef idx="1">
+              <a:schemeClr val="lt1">
+                <a:hueOff val="0"/>
+                <a:satOff val="0"/>
+                <a:lumOff val="0"/>
+                <a:alphaOff val="0"/>
+              </a:schemeClr>
+            </a:effectRef>
+            <a:fontRef idx="minor">
+              <a:schemeClr val="dk1">
+                <a:hueOff val="0"/>
+                <a:satOff val="0"/>
+                <a:lumOff val="0"/>
+                <a:alphaOff val="0"/>
+              </a:schemeClr>
+            </a:fontRef>
+          </p:style>
+        </p:sp>
+        <p:sp>
+          <p:nvSpPr>
+            <p:cNvPr id="12" name="TextBox 11">
+              <a:extLst>
+                <a:ext uri="{FF2B5EF4-FFF2-40B4-BE49-F238E27FC236}">
+                  <a16:creationId xmlns:a16="http://schemas.microsoft.com/office/drawing/2014/main" id="{97A4BECC-0062-4990-9291-00DD20A48FB4}"/>
+                </a:ext>
+              </a:extLst>
+            </p:cNvPr>
+            <p:cNvSpPr txBox="1"/>
+            <p:nvPr/>
+          </p:nvSpPr>
+          <p:spPr>
+            <a:xfrm>
+              <a:off x="2335699" y="2662374"/>
+              <a:ext cx="3001949" cy="995109"/>
+            </a:xfrm>
+            <a:prstGeom prst="rect">
+              <a:avLst/>
+            </a:prstGeom>
+            <a:sp3d/>
+          </p:spPr>
+          <p:style>
+            <a:lnRef idx="0">
+              <a:scrgbClr r="0" g="0" b="0"/>
+            </a:lnRef>
+            <a:fillRef idx="0">
+              <a:scrgbClr r="0" g="0" b="0"/>
+            </a:fillRef>
+            <a:effectRef idx="0">
+              <a:scrgbClr r="0" g="0" b="0"/>
+            </a:effectRef>
+            <a:fontRef idx="minor">
+              <a:schemeClr val="dk1">
+                <a:hueOff val="0"/>
+                <a:satOff val="0"/>
+                <a:lumOff val="0"/>
+                <a:alphaOff val="0"/>
+              </a:schemeClr>
+            </a:fontRef>
+          </p:style>
+          <p:txBody>
+            <a:bodyPr spcFirstLastPara="0" vert="horz" wrap="square" lIns="12700" tIns="12700" rIns="12700" bIns="12700" numCol="1" spcCol="1270" anchor="ctr" anchorCtr="0">
+              <a:noAutofit/>
+            </a:bodyPr>
+            <a:lstStyle/>
+            <a:p>
+              <a:pPr marL="0" lvl="0" indent="0" algn="ctr" defTabSz="889000">
+                <a:lnSpc>
+                  <a:spcPct val="90000"/>
+                </a:lnSpc>
+                <a:spcBef>
+                  <a:spcPct val="0"/>
+                </a:spcBef>
+                <a:spcAft>
+                  <a:spcPct val="35000"/>
+                </a:spcAft>
+                <a:buNone/>
+              </a:pPr>
+              <a:r>
+                <a:rPr lang="en-US" sz="2000" kern="1200" dirty="0"/>
+                <a:t>1373 (41.7%) of these schools geolocated by </a:t>
+              </a:r>
+              <a:r>
+                <a:rPr lang="en-US" sz="2000" b="1" kern="1200" dirty="0"/>
+                <a:t>locality shapefile</a:t>
+              </a:r>
+            </a:p>
+          </p:txBody>
+        </p:sp>
+      </p:grpSp>
+      <p:grpSp>
+        <p:nvGrpSpPr>
+          <p:cNvPr id="19" name="Group 18">
+            <a:extLst>
+              <a:ext uri="{FF2B5EF4-FFF2-40B4-BE49-F238E27FC236}">
+                <a16:creationId xmlns:a16="http://schemas.microsoft.com/office/drawing/2014/main" id="{8BAE57C4-1185-4D68-AA36-0B40A22D5E78}"/>
+              </a:ext>
+            </a:extLst>
+          </p:cNvPr>
+          <p:cNvGrpSpPr/>
+          <p:nvPr/>
+        </p:nvGrpSpPr>
+        <p:grpSpPr>
+          <a:xfrm>
+            <a:off x="4623841" y="3429000"/>
+            <a:ext cx="3001949" cy="1299241"/>
+            <a:chOff x="2335699" y="2662374"/>
+            <a:chExt cx="3001949" cy="995116"/>
+          </a:xfrm>
+          <a:scene3d>
+            <a:camera prst="orthographicFront">
+              <a:rot lat="0" lon="0" rev="0"/>
+            </a:camera>
+            <a:lightRig rig="contrasting" dir="t">
+              <a:rot lat="0" lon="0" rev="1200000"/>
+            </a:lightRig>
+          </a:scene3d>
+        </p:grpSpPr>
+        <p:sp>
+          <p:nvSpPr>
+            <p:cNvPr id="20" name="Rectangle 19">
+              <a:extLst>
+                <a:ext uri="{FF2B5EF4-FFF2-40B4-BE49-F238E27FC236}">
+                  <a16:creationId xmlns:a16="http://schemas.microsoft.com/office/drawing/2014/main" id="{9BA931C6-6686-4529-B19F-AF1190AC9016}"/>
+                </a:ext>
+              </a:extLst>
+            </p:cNvPr>
+            <p:cNvSpPr/>
+            <p:nvPr/>
+          </p:nvSpPr>
+          <p:spPr>
+            <a:xfrm>
+              <a:off x="2335699" y="2662374"/>
+              <a:ext cx="3001949" cy="995109"/>
+            </a:xfrm>
+            <a:prstGeom prst="rect">
+              <a:avLst/>
+            </a:prstGeom>
+            <a:solidFill>
+              <a:schemeClr val="accent6">
+                <a:lumMod val="40000"/>
+                <a:lumOff val="60000"/>
+              </a:schemeClr>
+            </a:solidFill>
+            <a:sp3d contourW="19050" prstMaterial="metal">
+              <a:bevelT w="88900" h="203200"/>
+              <a:bevelB w="165100" h="254000"/>
+            </a:sp3d>
+          </p:spPr>
+          <p:style>
+            <a:lnRef idx="0">
+              <a:schemeClr val="dk1">
+                <a:shade val="80000"/>
+                <a:hueOff val="0"/>
+                <a:satOff val="0"/>
+                <a:lumOff val="0"/>
+                <a:alphaOff val="0"/>
+              </a:schemeClr>
+            </a:lnRef>
+            <a:fillRef idx="1">
+              <a:scrgbClr r="0" g="0" b="0"/>
+            </a:fillRef>
+            <a:effectRef idx="1">
+              <a:schemeClr val="lt1">
+                <a:hueOff val="0"/>
+                <a:satOff val="0"/>
+                <a:lumOff val="0"/>
+                <a:alphaOff val="0"/>
+              </a:schemeClr>
+            </a:effectRef>
+            <a:fontRef idx="minor">
+              <a:schemeClr val="dk1">
+                <a:hueOff val="0"/>
+                <a:satOff val="0"/>
+                <a:lumOff val="0"/>
+                <a:alphaOff val="0"/>
+              </a:schemeClr>
+            </a:fontRef>
+          </p:style>
+        </p:sp>
+        <p:sp>
+          <p:nvSpPr>
+            <p:cNvPr id="21" name="TextBox 20">
+              <a:extLst>
+                <a:ext uri="{FF2B5EF4-FFF2-40B4-BE49-F238E27FC236}">
+                  <a16:creationId xmlns:a16="http://schemas.microsoft.com/office/drawing/2014/main" id="{7411C858-B266-4FDA-97C1-5E6F884846FD}"/>
+                </a:ext>
+              </a:extLst>
+            </p:cNvPr>
+            <p:cNvSpPr txBox="1"/>
+            <p:nvPr/>
+          </p:nvSpPr>
+          <p:spPr>
+            <a:xfrm>
+              <a:off x="2335699" y="2662381"/>
+              <a:ext cx="3001949" cy="995109"/>
+            </a:xfrm>
+            <a:prstGeom prst="rect">
+              <a:avLst/>
+            </a:prstGeom>
+            <a:sp3d/>
+          </p:spPr>
+          <p:style>
+            <a:lnRef idx="0">
+              <a:scrgbClr r="0" g="0" b="0"/>
+            </a:lnRef>
+            <a:fillRef idx="0">
+              <a:scrgbClr r="0" g="0" b="0"/>
+            </a:fillRef>
+            <a:effectRef idx="0">
+              <a:scrgbClr r="0" g="0" b="0"/>
+            </a:effectRef>
+            <a:fontRef idx="minor">
+              <a:schemeClr val="dk1">
+                <a:hueOff val="0"/>
+                <a:satOff val="0"/>
+                <a:lumOff val="0"/>
+                <a:alphaOff val="0"/>
+              </a:schemeClr>
+            </a:fontRef>
+          </p:style>
+          <p:txBody>
+            <a:bodyPr spcFirstLastPara="0" vert="horz" wrap="square" lIns="12700" tIns="12700" rIns="12700" bIns="12700" numCol="1" spcCol="1270" anchor="ctr" anchorCtr="0">
+              <a:noAutofit/>
+            </a:bodyPr>
+            <a:lstStyle/>
+            <a:p>
+              <a:pPr marL="0" lvl="0" indent="0" algn="ctr" defTabSz="889000">
+                <a:lnSpc>
+                  <a:spcPct val="90000"/>
+                </a:lnSpc>
+                <a:spcBef>
+                  <a:spcPct val="0"/>
+                </a:spcBef>
+                <a:spcAft>
+                  <a:spcPct val="35000"/>
+                </a:spcAft>
+                <a:buNone/>
+              </a:pPr>
+              <a:r>
+                <a:rPr lang="en-US" sz="2000" kern="1200" dirty="0"/>
+                <a:t>1916 schools (58.2%) could</a:t>
+              </a:r>
+              <a:r>
+                <a:rPr lang="en-US" sz="2000" b="1" kern="1200" dirty="0"/>
+                <a:t> not be geolocated with GMAPS </a:t>
+              </a:r>
+              <a:r>
+                <a:rPr lang="en-US" sz="2000" kern="1200" dirty="0"/>
+                <a:t>and required random coordinate sampling</a:t>
+              </a:r>
+              <a:endParaRPr lang="en-US" sz="2000" b="1" kern="1200" dirty="0"/>
+            </a:p>
+          </p:txBody>
+        </p:sp>
+      </p:grpSp>
+      <p:grpSp>
+        <p:nvGrpSpPr>
+          <p:cNvPr id="24" name="Group 23">
+            <a:extLst>
+              <a:ext uri="{FF2B5EF4-FFF2-40B4-BE49-F238E27FC236}">
+                <a16:creationId xmlns:a16="http://schemas.microsoft.com/office/drawing/2014/main" id="{D68FAC68-1AAA-4484-9058-CD95EC75DD63}"/>
+              </a:ext>
+            </a:extLst>
+          </p:cNvPr>
+          <p:cNvGrpSpPr/>
+          <p:nvPr/>
+        </p:nvGrpSpPr>
+        <p:grpSpPr>
+          <a:xfrm>
+            <a:off x="6304081" y="5165542"/>
+            <a:ext cx="3001949" cy="1591552"/>
+            <a:chOff x="2335699" y="2662374"/>
+            <a:chExt cx="3001949" cy="995109"/>
+          </a:xfrm>
+          <a:scene3d>
+            <a:camera prst="orthographicFront">
+              <a:rot lat="0" lon="0" rev="0"/>
+            </a:camera>
+            <a:lightRig rig="contrasting" dir="t">
+              <a:rot lat="0" lon="0" rev="1200000"/>
+            </a:lightRig>
+          </a:scene3d>
+        </p:grpSpPr>
+        <p:sp>
+          <p:nvSpPr>
+            <p:cNvPr id="25" name="Rectangle 24">
+              <a:extLst>
+                <a:ext uri="{FF2B5EF4-FFF2-40B4-BE49-F238E27FC236}">
+                  <a16:creationId xmlns:a16="http://schemas.microsoft.com/office/drawing/2014/main" id="{6F4AB9A2-A4E3-4049-B24B-31950005CF10}"/>
+                </a:ext>
+              </a:extLst>
+            </p:cNvPr>
+            <p:cNvSpPr/>
+            <p:nvPr/>
+          </p:nvSpPr>
+          <p:spPr>
+            <a:xfrm>
+              <a:off x="2335699" y="2662374"/>
+              <a:ext cx="3001949" cy="995109"/>
+            </a:xfrm>
+            <a:prstGeom prst="rect">
+              <a:avLst/>
+            </a:prstGeom>
+            <a:solidFill>
+              <a:schemeClr val="accent6">
+                <a:lumMod val="40000"/>
+                <a:lumOff val="60000"/>
+              </a:schemeClr>
+            </a:solidFill>
+            <a:sp3d contourW="19050" prstMaterial="metal">
+              <a:bevelT w="88900" h="203200"/>
+              <a:bevelB w="165100" h="254000"/>
+            </a:sp3d>
+          </p:spPr>
+          <p:style>
+            <a:lnRef idx="0">
+              <a:schemeClr val="dk1">
+                <a:shade val="80000"/>
+                <a:hueOff val="0"/>
+                <a:satOff val="0"/>
+                <a:lumOff val="0"/>
+                <a:alphaOff val="0"/>
+              </a:schemeClr>
+            </a:lnRef>
+            <a:fillRef idx="1">
+              <a:scrgbClr r="0" g="0" b="0"/>
+            </a:fillRef>
+            <a:effectRef idx="1">
+              <a:schemeClr val="lt1">
+                <a:hueOff val="0"/>
+                <a:satOff val="0"/>
+                <a:lumOff val="0"/>
+                <a:alphaOff val="0"/>
+              </a:schemeClr>
+            </a:effectRef>
+            <a:fontRef idx="minor">
+              <a:schemeClr val="dk1">
+                <a:hueOff val="0"/>
+                <a:satOff val="0"/>
+                <a:lumOff val="0"/>
+                <a:alphaOff val="0"/>
+              </a:schemeClr>
+            </a:fontRef>
+          </p:style>
+        </p:sp>
+        <p:sp>
+          <p:nvSpPr>
+            <p:cNvPr id="26" name="TextBox 25">
+              <a:extLst>
+                <a:ext uri="{FF2B5EF4-FFF2-40B4-BE49-F238E27FC236}">
+                  <a16:creationId xmlns:a16="http://schemas.microsoft.com/office/drawing/2014/main" id="{AEC58173-4666-494F-8167-86F9D0834236}"/>
+                </a:ext>
+              </a:extLst>
+            </p:cNvPr>
+            <p:cNvSpPr txBox="1"/>
+            <p:nvPr/>
+          </p:nvSpPr>
+          <p:spPr>
+            <a:xfrm>
+              <a:off x="2335699" y="2662374"/>
+              <a:ext cx="3001949" cy="995109"/>
+            </a:xfrm>
+            <a:prstGeom prst="rect">
+              <a:avLst/>
+            </a:prstGeom>
+            <a:sp3d/>
+          </p:spPr>
+          <p:style>
+            <a:lnRef idx="0">
+              <a:scrgbClr r="0" g="0" b="0"/>
+            </a:lnRef>
+            <a:fillRef idx="0">
+              <a:scrgbClr r="0" g="0" b="0"/>
+            </a:fillRef>
+            <a:effectRef idx="0">
+              <a:scrgbClr r="0" g="0" b="0"/>
+            </a:effectRef>
+            <a:fontRef idx="minor">
+              <a:schemeClr val="dk1">
+                <a:hueOff val="0"/>
+                <a:satOff val="0"/>
+                <a:lumOff val="0"/>
+                <a:alphaOff val="0"/>
+              </a:schemeClr>
+            </a:fontRef>
+          </p:style>
+          <p:txBody>
+            <a:bodyPr spcFirstLastPara="0" vert="horz" wrap="square" lIns="12700" tIns="12700" rIns="12700" bIns="12700" numCol="1" spcCol="1270" anchor="ctr" anchorCtr="0">
+              <a:noAutofit/>
+            </a:bodyPr>
+            <a:lstStyle/>
+            <a:p>
+              <a:pPr lvl="0" algn="ctr" defTabSz="889000">
+                <a:lnSpc>
+                  <a:spcPct val="90000"/>
+                </a:lnSpc>
+                <a:spcBef>
+                  <a:spcPct val="0"/>
+                </a:spcBef>
+                <a:spcAft>
+                  <a:spcPct val="35000"/>
+                </a:spcAft>
+              </a:pPr>
+              <a:r>
+                <a:rPr lang="en-US" sz="2000" dirty="0"/>
+                <a:t>543 (16.5%) of these  schools geolocated by </a:t>
+              </a:r>
+              <a:r>
+                <a:rPr lang="en-US" sz="2000" b="1" dirty="0"/>
+                <a:t>municipality shapefile</a:t>
+              </a:r>
+            </a:p>
+          </p:txBody>
+        </p:sp>
+      </p:grpSp>
       <p:cxnSp>
         <p:nvCxnSpPr>
-          <p:cNvPr id="12" name="Straight Connector 11">
+          <p:cNvPr id="28" name="Straight Arrow Connector 27">
             <a:extLst>
               <a:ext uri="{FF2B5EF4-FFF2-40B4-BE49-F238E27FC236}">
-                <a16:creationId xmlns:a16="http://schemas.microsoft.com/office/drawing/2014/main" id="{4A51C217-2C1D-4679-8ED7-BBF8B5DCC415}"/>
+                <a16:creationId xmlns:a16="http://schemas.microsoft.com/office/drawing/2014/main" id="{F1D64BDC-F4C4-4794-B58C-6397A0A17C2C}"/>
+              </a:ext>
+            </a:extLst>
+          </p:cNvPr>
+          <p:cNvCxnSpPr>
+            <a:cxnSpLocks/>
+            <a:stCxn id="5" idx="2"/>
+          </p:cNvCxnSpPr>
+          <p:nvPr/>
+        </p:nvCxnSpPr>
+        <p:spPr>
+          <a:xfrm flipH="1">
+            <a:off x="6101140" y="1762030"/>
+            <a:ext cx="1" cy="384771"/>
+          </a:xfrm>
+          <a:prstGeom prst="straightConnector1">
+            <a:avLst/>
+          </a:prstGeom>
+          <a:ln w="57150">
+            <a:solidFill>
+              <a:schemeClr val="tx1"/>
+            </a:solidFill>
+            <a:tailEnd type="triangle"/>
+          </a:ln>
+        </p:spPr>
+        <p:style>
+          <a:lnRef idx="1">
+            <a:schemeClr val="accent1"/>
+          </a:lnRef>
+          <a:fillRef idx="0">
+            <a:schemeClr val="accent1"/>
+          </a:fillRef>
+          <a:effectRef idx="0">
+            <a:schemeClr val="accent1"/>
+          </a:effectRef>
+          <a:fontRef idx="minor">
+            <a:schemeClr val="tx1"/>
+          </a:fontRef>
+        </p:style>
+      </p:cxnSp>
+      <p:cxnSp>
+        <p:nvCxnSpPr>
+          <p:cNvPr id="31" name="Straight Arrow Connector 30">
+            <a:extLst>
+              <a:ext uri="{FF2B5EF4-FFF2-40B4-BE49-F238E27FC236}">
+                <a16:creationId xmlns:a16="http://schemas.microsoft.com/office/drawing/2014/main" id="{0E0BB49D-F7CF-4BA7-AB0E-9D1FB0DBEF0B}"/>
+              </a:ext>
+            </a:extLst>
+          </p:cNvPr>
+          <p:cNvCxnSpPr>
+            <a:cxnSpLocks/>
+          </p:cNvCxnSpPr>
+          <p:nvPr/>
+        </p:nvCxnSpPr>
+        <p:spPr>
+          <a:xfrm flipH="1">
+            <a:off x="6101139" y="3029598"/>
+            <a:ext cx="1" cy="384771"/>
+          </a:xfrm>
+          <a:prstGeom prst="straightConnector1">
+            <a:avLst/>
+          </a:prstGeom>
+          <a:ln w="57150">
+            <a:solidFill>
+              <a:schemeClr val="tx1"/>
+            </a:solidFill>
+            <a:tailEnd type="triangle"/>
+          </a:ln>
+        </p:spPr>
+        <p:style>
+          <a:lnRef idx="1">
+            <a:schemeClr val="accent1"/>
+          </a:lnRef>
+          <a:fillRef idx="0">
+            <a:schemeClr val="accent1"/>
+          </a:fillRef>
+          <a:effectRef idx="0">
+            <a:schemeClr val="accent1"/>
+          </a:effectRef>
+          <a:fontRef idx="minor">
+            <a:schemeClr val="tx1"/>
+          </a:fontRef>
+        </p:style>
+      </p:cxnSp>
+      <p:cxnSp>
+        <p:nvCxnSpPr>
+          <p:cNvPr id="32" name="Straight Arrow Connector 31">
+            <a:extLst>
+              <a:ext uri="{FF2B5EF4-FFF2-40B4-BE49-F238E27FC236}">
+                <a16:creationId xmlns:a16="http://schemas.microsoft.com/office/drawing/2014/main" id="{CDBA8524-62AB-4FBD-8DA2-4D2B324A9EB1}"/>
+              </a:ext>
+            </a:extLst>
+          </p:cNvPr>
+          <p:cNvCxnSpPr>
+            <a:cxnSpLocks/>
+          </p:cNvCxnSpPr>
+          <p:nvPr/>
+        </p:nvCxnSpPr>
+        <p:spPr>
+          <a:xfrm flipH="1">
+            <a:off x="5382071" y="4742863"/>
+            <a:ext cx="326002" cy="405175"/>
+          </a:xfrm>
+          <a:prstGeom prst="straightConnector1">
+            <a:avLst/>
+          </a:prstGeom>
+          <a:ln w="57150">
+            <a:solidFill>
+              <a:schemeClr val="tx1"/>
+            </a:solidFill>
+            <a:tailEnd type="triangle"/>
+          </a:ln>
+        </p:spPr>
+        <p:style>
+          <a:lnRef idx="1">
+            <a:schemeClr val="accent1"/>
+          </a:lnRef>
+          <a:fillRef idx="0">
+            <a:schemeClr val="accent1"/>
+          </a:fillRef>
+          <a:effectRef idx="0">
+            <a:schemeClr val="accent1"/>
+          </a:effectRef>
+          <a:fontRef idx="minor">
+            <a:schemeClr val="tx1"/>
+          </a:fontRef>
+        </p:style>
+      </p:cxnSp>
+      <p:cxnSp>
+        <p:nvCxnSpPr>
+          <p:cNvPr id="33" name="Straight Arrow Connector 32">
+            <a:extLst>
+              <a:ext uri="{FF2B5EF4-FFF2-40B4-BE49-F238E27FC236}">
+                <a16:creationId xmlns:a16="http://schemas.microsoft.com/office/drawing/2014/main" id="{FCB591FB-79FE-4FD3-B10A-8A7F60F50C01}"/>
               </a:ext>
             </a:extLst>
           </p:cNvPr>
@@ -7921,22 +9098,28 @@
         </p:nvCxnSpPr>
         <p:spPr>
           <a:xfrm>
-            <a:off x="4918364" y="4787026"/>
-            <a:ext cx="0" cy="380719"/>
+            <a:off x="6677891" y="4742863"/>
+            <a:ext cx="360222" cy="405175"/>
           </a:xfrm>
-          <a:prstGeom prst="line">
+          <a:prstGeom prst="straightConnector1">
             <a:avLst/>
           </a:prstGeom>
+          <a:ln w="57150">
+            <a:solidFill>
+              <a:schemeClr val="tx1"/>
+            </a:solidFill>
+            <a:tailEnd type="triangle"/>
+          </a:ln>
         </p:spPr>
         <p:style>
           <a:lnRef idx="1">
-            <a:schemeClr val="dk1"/>
+            <a:schemeClr val="accent1"/>
           </a:lnRef>
           <a:fillRef idx="0">
-            <a:schemeClr val="dk1"/>
+            <a:schemeClr val="accent1"/>
           </a:fillRef>
           <a:effectRef idx="0">
-            <a:schemeClr val="dk1"/>
+            <a:schemeClr val="accent1"/>
           </a:effectRef>
           <a:fontRef idx="minor">
             <a:schemeClr val="tx1"/>
@@ -7946,7 +9129,7 @@
     </p:spTree>
     <p:extLst>
       <p:ext uri="{BB962C8B-B14F-4D97-AF65-F5344CB8AC3E}">
-        <p14:creationId xmlns:p14="http://schemas.microsoft.com/office/powerpoint/2010/main" val="4097837493"/>
+        <p14:creationId xmlns:p14="http://schemas.microsoft.com/office/powerpoint/2010/main" val="24470835"/>
       </p:ext>
     </p:extLst>
   </p:cSld>
